--- a/Documentation/Presentation.pptx
+++ b/Documentation/Presentation.pptx
@@ -4,6 +4,9 @@
   <p:sldMasterIdLst>
     <p:sldMasterId id="2147483648" r:id="rId1"/>
   </p:sldMasterIdLst>
+  <p:notesMasterIdLst>
+    <p:notesMasterId r:id="rId9"/>
+  </p:notesMasterIdLst>
   <p:sldIdLst>
     <p:sldId id="256" r:id="rId2"/>
     <p:sldId id="257" r:id="rId3"/>
@@ -110,7 +113,560 @@
       </a:defRPr>
     </a:lvl9pPr>
   </p:defaultTextStyle>
+  <p:extLst>
+    <p:ext uri="{EFAFB233-063F-42B5-8137-9DF3F51BA10A}">
+      <p15:sldGuideLst xmlns:p15="http://schemas.microsoft.com/office/powerpoint/2012/main"/>
+    </p:ext>
+  </p:extLst>
 </p:presentation>
+</file>
+
+<file path=ppt/notesMasters/notesMaster1.xml><?xml version="1.0" encoding="utf-8"?>
+<p:notesMaster xmlns:a="http://schemas.openxmlformats.org/drawingml/2006/main" xmlns:r="http://schemas.openxmlformats.org/officeDocument/2006/relationships" xmlns:p="http://schemas.openxmlformats.org/presentationml/2006/main">
+  <p:cSld>
+    <p:bg>
+      <p:bgRef idx="1001">
+        <a:schemeClr val="bg1"/>
+      </p:bgRef>
+    </p:bg>
+    <p:spTree>
+      <p:nvGrpSpPr>
+        <p:cNvPr id="1" name=""/>
+        <p:cNvGrpSpPr/>
+        <p:nvPr/>
+      </p:nvGrpSpPr>
+      <p:grpSpPr>
+        <a:xfrm>
+          <a:off x="0" y="0"/>
+          <a:ext cx="0" cy="0"/>
+          <a:chOff x="0" y="0"/>
+          <a:chExt cx="0" cy="0"/>
+        </a:xfrm>
+      </p:grpSpPr>
+      <p:sp>
+        <p:nvSpPr>
+          <p:cNvPr id="2" name="Header Placeholder 1"/>
+          <p:cNvSpPr>
+            <a:spLocks noGrp="1"/>
+          </p:cNvSpPr>
+          <p:nvPr>
+            <p:ph type="hdr" sz="quarter"/>
+          </p:nvPr>
+        </p:nvSpPr>
+        <p:spPr>
+          <a:xfrm>
+            <a:off x="0" y="0"/>
+            <a:ext cx="2971800" cy="458788"/>
+          </a:xfrm>
+          <a:prstGeom prst="rect">
+            <a:avLst/>
+          </a:prstGeom>
+        </p:spPr>
+        <p:txBody>
+          <a:bodyPr vert="horz" lIns="91440" tIns="45720" rIns="91440" bIns="45720" rtlCol="0"/>
+          <a:lstStyle>
+            <a:lvl1pPr algn="l">
+              <a:defRPr sz="1200"/>
+            </a:lvl1pPr>
+          </a:lstStyle>
+          <a:p>
+            <a:endParaRPr lang="en-IN"/>
+          </a:p>
+        </p:txBody>
+      </p:sp>
+      <p:sp>
+        <p:nvSpPr>
+          <p:cNvPr id="3" name="Date Placeholder 2"/>
+          <p:cNvSpPr>
+            <a:spLocks noGrp="1"/>
+          </p:cNvSpPr>
+          <p:nvPr>
+            <p:ph type="dt" idx="1"/>
+          </p:nvPr>
+        </p:nvSpPr>
+        <p:spPr>
+          <a:xfrm>
+            <a:off x="3884613" y="0"/>
+            <a:ext cx="2971800" cy="458788"/>
+          </a:xfrm>
+          <a:prstGeom prst="rect">
+            <a:avLst/>
+          </a:prstGeom>
+        </p:spPr>
+        <p:txBody>
+          <a:bodyPr vert="horz" lIns="91440" tIns="45720" rIns="91440" bIns="45720" rtlCol="0"/>
+          <a:lstStyle>
+            <a:lvl1pPr algn="r">
+              <a:defRPr sz="1200"/>
+            </a:lvl1pPr>
+          </a:lstStyle>
+          <a:p>
+            <a:fld id="{C93C33B6-883D-477C-9A0C-76728C72B392}" type="datetimeFigureOut">
+              <a:rPr lang="en-IN" smtClean="0"/>
+              <a:t>05-03-2020</a:t>
+            </a:fld>
+            <a:endParaRPr lang="en-IN"/>
+          </a:p>
+        </p:txBody>
+      </p:sp>
+      <p:sp>
+        <p:nvSpPr>
+          <p:cNvPr id="4" name="Slide Image Placeholder 3"/>
+          <p:cNvSpPr>
+            <a:spLocks noGrp="1" noRot="1" noChangeAspect="1"/>
+          </p:cNvSpPr>
+          <p:nvPr>
+            <p:ph type="sldImg" idx="2"/>
+          </p:nvPr>
+        </p:nvSpPr>
+        <p:spPr>
+          <a:xfrm>
+            <a:off x="685800" y="1143000"/>
+            <a:ext cx="5486400" cy="3086100"/>
+          </a:xfrm>
+          <a:prstGeom prst="rect">
+            <a:avLst/>
+          </a:prstGeom>
+          <a:noFill/>
+          <a:ln w="12700">
+            <a:solidFill>
+              <a:prstClr val="black"/>
+            </a:solidFill>
+          </a:ln>
+        </p:spPr>
+        <p:txBody>
+          <a:bodyPr vert="horz" lIns="91440" tIns="45720" rIns="91440" bIns="45720" rtlCol="0" anchor="ctr"/>
+          <a:lstStyle/>
+          <a:p>
+            <a:endParaRPr lang="en-IN"/>
+          </a:p>
+        </p:txBody>
+      </p:sp>
+      <p:sp>
+        <p:nvSpPr>
+          <p:cNvPr id="5" name="Notes Placeholder 4"/>
+          <p:cNvSpPr>
+            <a:spLocks noGrp="1"/>
+          </p:cNvSpPr>
+          <p:nvPr>
+            <p:ph type="body" sz="quarter" idx="3"/>
+          </p:nvPr>
+        </p:nvSpPr>
+        <p:spPr>
+          <a:xfrm>
+            <a:off x="685800" y="4400550"/>
+            <a:ext cx="5486400" cy="3600450"/>
+          </a:xfrm>
+          <a:prstGeom prst="rect">
+            <a:avLst/>
+          </a:prstGeom>
+        </p:spPr>
+        <p:txBody>
+          <a:bodyPr vert="horz" lIns="91440" tIns="45720" rIns="91440" bIns="45720" rtlCol="0"/>
+          <a:lstStyle/>
+          <a:p>
+            <a:pPr lvl="0"/>
+            <a:r>
+              <a:rPr lang="en-US"/>
+              <a:t>Click to edit Master text styles</a:t>
+            </a:r>
+          </a:p>
+          <a:p>
+            <a:pPr lvl="1"/>
+            <a:r>
+              <a:rPr lang="en-US"/>
+              <a:t>Second level</a:t>
+            </a:r>
+          </a:p>
+          <a:p>
+            <a:pPr lvl="2"/>
+            <a:r>
+              <a:rPr lang="en-US"/>
+              <a:t>Third level</a:t>
+            </a:r>
+          </a:p>
+          <a:p>
+            <a:pPr lvl="3"/>
+            <a:r>
+              <a:rPr lang="en-US"/>
+              <a:t>Fourth level</a:t>
+            </a:r>
+          </a:p>
+          <a:p>
+            <a:pPr lvl="4"/>
+            <a:r>
+              <a:rPr lang="en-US"/>
+              <a:t>Fifth level</a:t>
+            </a:r>
+            <a:endParaRPr lang="en-IN"/>
+          </a:p>
+        </p:txBody>
+      </p:sp>
+      <p:sp>
+        <p:nvSpPr>
+          <p:cNvPr id="6" name="Footer Placeholder 5"/>
+          <p:cNvSpPr>
+            <a:spLocks noGrp="1"/>
+          </p:cNvSpPr>
+          <p:nvPr>
+            <p:ph type="ftr" sz="quarter" idx="4"/>
+          </p:nvPr>
+        </p:nvSpPr>
+        <p:spPr>
+          <a:xfrm>
+            <a:off x="0" y="8685213"/>
+            <a:ext cx="2971800" cy="458787"/>
+          </a:xfrm>
+          <a:prstGeom prst="rect">
+            <a:avLst/>
+          </a:prstGeom>
+        </p:spPr>
+        <p:txBody>
+          <a:bodyPr vert="horz" lIns="91440" tIns="45720" rIns="91440" bIns="45720" rtlCol="0" anchor="b"/>
+          <a:lstStyle>
+            <a:lvl1pPr algn="l">
+              <a:defRPr sz="1200"/>
+            </a:lvl1pPr>
+          </a:lstStyle>
+          <a:p>
+            <a:endParaRPr lang="en-IN"/>
+          </a:p>
+        </p:txBody>
+      </p:sp>
+      <p:sp>
+        <p:nvSpPr>
+          <p:cNvPr id="7" name="Slide Number Placeholder 6"/>
+          <p:cNvSpPr>
+            <a:spLocks noGrp="1"/>
+          </p:cNvSpPr>
+          <p:nvPr>
+            <p:ph type="sldNum" sz="quarter" idx="5"/>
+          </p:nvPr>
+        </p:nvSpPr>
+        <p:spPr>
+          <a:xfrm>
+            <a:off x="3884613" y="8685213"/>
+            <a:ext cx="2971800" cy="458787"/>
+          </a:xfrm>
+          <a:prstGeom prst="rect">
+            <a:avLst/>
+          </a:prstGeom>
+        </p:spPr>
+        <p:txBody>
+          <a:bodyPr vert="horz" lIns="91440" tIns="45720" rIns="91440" bIns="45720" rtlCol="0" anchor="b"/>
+          <a:lstStyle>
+            <a:lvl1pPr algn="r">
+              <a:defRPr sz="1200"/>
+            </a:lvl1pPr>
+          </a:lstStyle>
+          <a:p>
+            <a:fld id="{124E86C9-E3B1-4FD9-BB9A-F38B8AEA9399}" type="slidenum">
+              <a:rPr lang="en-IN" smtClean="0"/>
+              <a:t>‹#›</a:t>
+            </a:fld>
+            <a:endParaRPr lang="en-IN"/>
+          </a:p>
+        </p:txBody>
+      </p:sp>
+    </p:spTree>
+    <p:extLst>
+      <p:ext uri="{BB962C8B-B14F-4D97-AF65-F5344CB8AC3E}">
+        <p14:creationId xmlns:p14="http://schemas.microsoft.com/office/powerpoint/2010/main" val="3021243712"/>
+      </p:ext>
+    </p:extLst>
+  </p:cSld>
+  <p:clrMap bg1="lt1" tx1="dk1" bg2="lt2" tx2="dk2" accent1="accent1" accent2="accent2" accent3="accent3" accent4="accent4" accent5="accent5" accent6="accent6" hlink="hlink" folHlink="folHlink"/>
+  <p:notesStyle>
+    <a:lvl1pPr marL="0" algn="l" defTabSz="914400" rtl="0" eaLnBrk="1" latinLnBrk="0" hangingPunct="1">
+      <a:defRPr sz="1200" kern="1200">
+        <a:solidFill>
+          <a:schemeClr val="tx1"/>
+        </a:solidFill>
+        <a:latin typeface="+mn-lt"/>
+        <a:ea typeface="+mn-ea"/>
+        <a:cs typeface="+mn-cs"/>
+      </a:defRPr>
+    </a:lvl1pPr>
+    <a:lvl2pPr marL="457200" algn="l" defTabSz="914400" rtl="0" eaLnBrk="1" latinLnBrk="0" hangingPunct="1">
+      <a:defRPr sz="1200" kern="1200">
+        <a:solidFill>
+          <a:schemeClr val="tx1"/>
+        </a:solidFill>
+        <a:latin typeface="+mn-lt"/>
+        <a:ea typeface="+mn-ea"/>
+        <a:cs typeface="+mn-cs"/>
+      </a:defRPr>
+    </a:lvl2pPr>
+    <a:lvl3pPr marL="914400" algn="l" defTabSz="914400" rtl="0" eaLnBrk="1" latinLnBrk="0" hangingPunct="1">
+      <a:defRPr sz="1200" kern="1200">
+        <a:solidFill>
+          <a:schemeClr val="tx1"/>
+        </a:solidFill>
+        <a:latin typeface="+mn-lt"/>
+        <a:ea typeface="+mn-ea"/>
+        <a:cs typeface="+mn-cs"/>
+      </a:defRPr>
+    </a:lvl3pPr>
+    <a:lvl4pPr marL="1371600" algn="l" defTabSz="914400" rtl="0" eaLnBrk="1" latinLnBrk="0" hangingPunct="1">
+      <a:defRPr sz="1200" kern="1200">
+        <a:solidFill>
+          <a:schemeClr val="tx1"/>
+        </a:solidFill>
+        <a:latin typeface="+mn-lt"/>
+        <a:ea typeface="+mn-ea"/>
+        <a:cs typeface="+mn-cs"/>
+      </a:defRPr>
+    </a:lvl4pPr>
+    <a:lvl5pPr marL="1828800" algn="l" defTabSz="914400" rtl="0" eaLnBrk="1" latinLnBrk="0" hangingPunct="1">
+      <a:defRPr sz="1200" kern="1200">
+        <a:solidFill>
+          <a:schemeClr val="tx1"/>
+        </a:solidFill>
+        <a:latin typeface="+mn-lt"/>
+        <a:ea typeface="+mn-ea"/>
+        <a:cs typeface="+mn-cs"/>
+      </a:defRPr>
+    </a:lvl5pPr>
+    <a:lvl6pPr marL="2286000" algn="l" defTabSz="914400" rtl="0" eaLnBrk="1" latinLnBrk="0" hangingPunct="1">
+      <a:defRPr sz="1200" kern="1200">
+        <a:solidFill>
+          <a:schemeClr val="tx1"/>
+        </a:solidFill>
+        <a:latin typeface="+mn-lt"/>
+        <a:ea typeface="+mn-ea"/>
+        <a:cs typeface="+mn-cs"/>
+      </a:defRPr>
+    </a:lvl6pPr>
+    <a:lvl7pPr marL="2743200" algn="l" defTabSz="914400" rtl="0" eaLnBrk="1" latinLnBrk="0" hangingPunct="1">
+      <a:defRPr sz="1200" kern="1200">
+        <a:solidFill>
+          <a:schemeClr val="tx1"/>
+        </a:solidFill>
+        <a:latin typeface="+mn-lt"/>
+        <a:ea typeface="+mn-ea"/>
+        <a:cs typeface="+mn-cs"/>
+      </a:defRPr>
+    </a:lvl7pPr>
+    <a:lvl8pPr marL="3200400" algn="l" defTabSz="914400" rtl="0" eaLnBrk="1" latinLnBrk="0" hangingPunct="1">
+      <a:defRPr sz="1200" kern="1200">
+        <a:solidFill>
+          <a:schemeClr val="tx1"/>
+        </a:solidFill>
+        <a:latin typeface="+mn-lt"/>
+        <a:ea typeface="+mn-ea"/>
+        <a:cs typeface="+mn-cs"/>
+      </a:defRPr>
+    </a:lvl8pPr>
+    <a:lvl9pPr marL="3657600" algn="l" defTabSz="914400" rtl="0" eaLnBrk="1" latinLnBrk="0" hangingPunct="1">
+      <a:defRPr sz="1200" kern="1200">
+        <a:solidFill>
+          <a:schemeClr val="tx1"/>
+        </a:solidFill>
+        <a:latin typeface="+mn-lt"/>
+        <a:ea typeface="+mn-ea"/>
+        <a:cs typeface="+mn-cs"/>
+      </a:defRPr>
+    </a:lvl9pPr>
+  </p:notesStyle>
+</p:notesMaster>
+</file>
+
+<file path=ppt/notesSlides/notesSlide1.xml><?xml version="1.0" encoding="utf-8"?>
+<p:notes xmlns:a="http://schemas.openxmlformats.org/drawingml/2006/main" xmlns:r="http://schemas.openxmlformats.org/officeDocument/2006/relationships" xmlns:p="http://schemas.openxmlformats.org/presentationml/2006/main">
+  <p:cSld>
+    <p:spTree>
+      <p:nvGrpSpPr>
+        <p:cNvPr id="1" name=""/>
+        <p:cNvGrpSpPr/>
+        <p:nvPr/>
+      </p:nvGrpSpPr>
+      <p:grpSpPr>
+        <a:xfrm>
+          <a:off x="0" y="0"/>
+          <a:ext cx="0" cy="0"/>
+          <a:chOff x="0" y="0"/>
+          <a:chExt cx="0" cy="0"/>
+        </a:xfrm>
+      </p:grpSpPr>
+      <p:sp>
+        <p:nvSpPr>
+          <p:cNvPr id="2" name="Slide Image Placeholder 1"/>
+          <p:cNvSpPr>
+            <a:spLocks noGrp="1" noRot="1" noChangeAspect="1"/>
+          </p:cNvSpPr>
+          <p:nvPr>
+            <p:ph type="sldImg"/>
+          </p:nvPr>
+        </p:nvSpPr>
+        <p:spPr/>
+      </p:sp>
+      <p:sp>
+        <p:nvSpPr>
+          <p:cNvPr id="3" name="Notes Placeholder 2"/>
+          <p:cNvSpPr>
+            <a:spLocks noGrp="1"/>
+          </p:cNvSpPr>
+          <p:nvPr>
+            <p:ph type="body" idx="1"/>
+          </p:nvPr>
+        </p:nvSpPr>
+        <p:spPr/>
+        <p:txBody>
+          <a:bodyPr/>
+          <a:lstStyle/>
+          <a:p>
+            <a:r>
+              <a:rPr lang="en-IN" dirty="0">
+                <a:solidFill>
+                  <a:srgbClr val="FFFFFF"/>
+                </a:solidFill>
+                <a:latin typeface="Calibri" panose="020F0502020204030204" pitchFamily="34" charset="0"/>
+              </a:rPr>
+              <a:t>Further steps to be tested for improving the model accuracy:</a:t>
+            </a:r>
+            <a:endParaRPr lang="en-IN" dirty="0"/>
+          </a:p>
+          <a:p>
+            <a:pPr fontAlgn="base">
+              <a:buFont typeface="Arial" panose="020B0604020202020204" pitchFamily="34" charset="0"/>
+              <a:buChar char="•"/>
+            </a:pPr>
+            <a:r>
+              <a:rPr lang="en-IN" dirty="0">
+                <a:solidFill>
+                  <a:srgbClr val="FFFFFF"/>
+                </a:solidFill>
+                <a:latin typeface="Calibri" panose="020F0502020204030204" pitchFamily="34" charset="0"/>
+              </a:rPr>
+              <a:t> Go back to variable imputation/transformation/selection and try different techniques to capture more variation in data.</a:t>
+            </a:r>
+            <a:endParaRPr lang="en-IN" dirty="0">
+              <a:solidFill>
+                <a:srgbClr val="FFFFFF"/>
+              </a:solidFill>
+              <a:latin typeface="Arial" panose="020B0604020202020204" pitchFamily="34" charset="0"/>
+            </a:endParaRPr>
+          </a:p>
+          <a:p>
+            <a:pPr fontAlgn="base">
+              <a:buFont typeface="Arial" panose="020B0604020202020204" pitchFamily="34" charset="0"/>
+              <a:buChar char="•"/>
+            </a:pPr>
+            <a:r>
+              <a:rPr lang="en-IN" dirty="0">
+                <a:solidFill>
+                  <a:srgbClr val="FFFFFF"/>
+                </a:solidFill>
+                <a:latin typeface="Calibri" panose="020F0502020204030204" pitchFamily="34" charset="0"/>
+              </a:rPr>
+              <a:t>Since few algorithms have not been tried due to computational time and hardware requirements, it can be tested by moving to cloud environment.</a:t>
+            </a:r>
+            <a:endParaRPr lang="en-IN" dirty="0">
+              <a:solidFill>
+                <a:srgbClr val="FFFFFF"/>
+              </a:solidFill>
+              <a:latin typeface="Arial" panose="020B0604020202020204" pitchFamily="34" charset="0"/>
+            </a:endParaRPr>
+          </a:p>
+          <a:p>
+            <a:pPr fontAlgn="base">
+              <a:buFont typeface="Arial" panose="020B0604020202020204" pitchFamily="34" charset="0"/>
+              <a:buChar char="•"/>
+            </a:pPr>
+            <a:r>
+              <a:rPr lang="en-IN" dirty="0">
+                <a:solidFill>
+                  <a:srgbClr val="FFFFFF"/>
+                </a:solidFill>
+                <a:latin typeface="Calibri" panose="020F0502020204030204" pitchFamily="34" charset="0"/>
+              </a:rPr>
+              <a:t>Hyperparameter tuning using </a:t>
+            </a:r>
+            <a:r>
+              <a:rPr lang="en-IN" dirty="0" err="1">
+                <a:solidFill>
+                  <a:srgbClr val="FFFFFF"/>
+                </a:solidFill>
+                <a:latin typeface="Calibri" panose="020F0502020204030204" pitchFamily="34" charset="0"/>
+              </a:rPr>
+              <a:t>GridSearch</a:t>
+            </a:r>
+            <a:r>
+              <a:rPr lang="en-IN" dirty="0">
+                <a:solidFill>
+                  <a:srgbClr val="FFFFFF"/>
+                </a:solidFill>
+                <a:latin typeface="Calibri" panose="020F0502020204030204" pitchFamily="34" charset="0"/>
+              </a:rPr>
+              <a:t> can be tested on cloud as it is relatively fast.</a:t>
+            </a:r>
+            <a:endParaRPr lang="en-IN" dirty="0">
+              <a:solidFill>
+                <a:srgbClr val="FFFFFF"/>
+              </a:solidFill>
+              <a:latin typeface="Arial" panose="020B0604020202020204" pitchFamily="34" charset="0"/>
+            </a:endParaRPr>
+          </a:p>
+          <a:p>
+            <a:pPr fontAlgn="base">
+              <a:buFont typeface="Arial" panose="020B0604020202020204" pitchFamily="34" charset="0"/>
+              <a:buChar char="•"/>
+            </a:pPr>
+            <a:r>
+              <a:rPr lang="en-IN" dirty="0">
+                <a:solidFill>
+                  <a:srgbClr val="FFFFFF"/>
+                </a:solidFill>
+                <a:latin typeface="Calibri" panose="020F0502020204030204" pitchFamily="34" charset="0"/>
+              </a:rPr>
+              <a:t>Use KNN to segment the data and try models on the segmented data to validate if any improvement in performance.</a:t>
+            </a:r>
+            <a:endParaRPr lang="en-IN" dirty="0">
+              <a:solidFill>
+                <a:srgbClr val="FFFFFF"/>
+              </a:solidFill>
+              <a:latin typeface="Arial" panose="020B0604020202020204" pitchFamily="34" charset="0"/>
+            </a:endParaRPr>
+          </a:p>
+          <a:p>
+            <a:endParaRPr lang="en-IN" dirty="0"/>
+          </a:p>
+        </p:txBody>
+      </p:sp>
+      <p:sp>
+        <p:nvSpPr>
+          <p:cNvPr id="4" name="Slide Number Placeholder 3"/>
+          <p:cNvSpPr>
+            <a:spLocks noGrp="1"/>
+          </p:cNvSpPr>
+          <p:nvPr>
+            <p:ph type="sldNum" sz="quarter" idx="5"/>
+          </p:nvPr>
+        </p:nvSpPr>
+        <p:spPr/>
+        <p:txBody>
+          <a:bodyPr/>
+          <a:lstStyle/>
+          <a:p>
+            <a:fld id="{124E86C9-E3B1-4FD9-BB9A-F38B8AEA9399}" type="slidenum">
+              <a:rPr lang="en-IN" smtClean="0"/>
+              <a:t>7</a:t>
+            </a:fld>
+            <a:endParaRPr lang="en-IN"/>
+          </a:p>
+        </p:txBody>
+      </p:sp>
+    </p:spTree>
+    <p:extLst>
+      <p:ext uri="{BB962C8B-B14F-4D97-AF65-F5344CB8AC3E}">
+        <p14:creationId xmlns:p14="http://schemas.microsoft.com/office/powerpoint/2010/main" val="1437965546"/>
+      </p:ext>
+    </p:extLst>
+  </p:cSld>
+  <p:clrMapOvr>
+    <a:masterClrMapping/>
+  </p:clrMapOvr>
+</p:notes>
 </file>
 
 <file path=ppt/slideLayouts/slideLayout1.xml><?xml version="1.0" encoding="utf-8"?>
@@ -7191,14 +7747,14 @@
           <p:nvPr>
             <p:extLst>
               <p:ext uri="{D42A27DB-BD31-4B8C-83A1-F6EECF244321}">
-                <p14:modId xmlns:p14="http://schemas.microsoft.com/office/powerpoint/2010/main" val="7433695"/>
+                <p14:modId xmlns:p14="http://schemas.microsoft.com/office/powerpoint/2010/main" val="1489606535"/>
               </p:ext>
             </p:extLst>
           </p:nvPr>
         </p:nvGraphicFramePr>
         <p:xfrm>
           <a:off x="3423509" y="410079"/>
-          <a:ext cx="8127999" cy="3403600"/>
+          <a:ext cx="8127999" cy="3672840"/>
         </p:xfrm>
         <a:graphic>
           <a:graphicData uri="http://schemas.openxmlformats.org/drawingml/2006/table">
@@ -7253,7 +7809,7 @@
                         <a:defRPr/>
                       </a:pPr>
                       <a:r>
-                        <a:rPr lang="en-IN" sz="1800" b="1" dirty="0">
+                        <a:rPr lang="en-IN" sz="1800" b="1">
                           <a:solidFill>
                             <a:schemeClr val="accent4">
                               <a:lumMod val="75000"/>
@@ -7395,13 +7951,18 @@
                     <a:lstStyle/>
                     <a:p>
                       <a:r>
-                        <a:rPr lang="en-IN" dirty="0">
+                        <a:rPr lang="en-IN">
                           <a:solidFill>
                             <a:schemeClr val="bg1"/>
                           </a:solidFill>
                         </a:rPr>
                         <a:t>Simple Imputation</a:t>
                       </a:r>
+                      <a:endParaRPr lang="en-IN" dirty="0">
+                        <a:solidFill>
+                          <a:schemeClr val="bg1"/>
+                        </a:solidFill>
+                      </a:endParaRPr>
                     </a:p>
                   </a:txBody>
                   <a:tcPr>
@@ -7474,21 +8035,18 @@
                     <a:lstStyle/>
                     <a:p>
                       <a:r>
-                        <a:rPr lang="en-IN" dirty="0" err="1">
+                        <a:rPr lang="en-IN">
                           <a:solidFill>
                             <a:schemeClr val="bg1"/>
                           </a:solidFill>
                         </a:rPr>
-                        <a:t>Knn</a:t>
+                        <a:t>Knn Imputation</a:t>
                       </a:r>
-                      <a:r>
-                        <a:rPr lang="en-IN" dirty="0">
-                          <a:solidFill>
-                            <a:schemeClr val="bg1"/>
-                          </a:solidFill>
-                        </a:rPr>
-                        <a:t> Imputation</a:t>
-                      </a:r>
+                      <a:endParaRPr lang="en-IN" dirty="0">
+                        <a:solidFill>
+                          <a:schemeClr val="bg1"/>
+                        </a:solidFill>
+                      </a:endParaRPr>
                     </a:p>
                   </a:txBody>
                   <a:tcPr>
@@ -7563,7 +8121,7 @@
                     <a:lstStyle/>
                     <a:p>
                       <a:r>
-                        <a:rPr lang="en-IN" dirty="0" err="1">
+                        <a:rPr lang="en-IN">
                           <a:solidFill>
                             <a:schemeClr val="bg1"/>
                           </a:solidFill>
@@ -7590,11 +8148,14 @@
                     <a:bodyPr/>
                     <a:lstStyle/>
                     <a:p>
-                      <a:endParaRPr lang="en-IN" dirty="0">
-                        <a:solidFill>
-                          <a:schemeClr val="bg1"/>
-                        </a:solidFill>
-                      </a:endParaRPr>
+                      <a:r>
+                        <a:rPr lang="en-IN" dirty="0">
+                          <a:solidFill>
+                            <a:schemeClr val="bg1"/>
+                          </a:solidFill>
+                        </a:rPr>
+                        <a:t>Random Forest Feature Importance</a:t>
+                      </a:r>
                     </a:p>
                   </a:txBody>
                   <a:tcPr>
@@ -7666,7 +8227,7 @@
                         <a:defRPr/>
                       </a:pPr>
                       <a:r>
-                        <a:rPr lang="en-IN" dirty="0">
+                        <a:rPr lang="en-IN">
                           <a:solidFill>
                             <a:schemeClr val="bg1"/>
                           </a:solidFill>
@@ -7695,11 +8256,14 @@
                     <a:bodyPr/>
                     <a:lstStyle/>
                     <a:p>
-                      <a:endParaRPr lang="en-IN">
-                        <a:solidFill>
-                          <a:schemeClr val="bg1"/>
-                        </a:solidFill>
-                      </a:endParaRPr>
+                      <a:r>
+                        <a:rPr lang="en-IN" dirty="0">
+                          <a:solidFill>
+                            <a:schemeClr val="bg1"/>
+                          </a:solidFill>
+                        </a:rPr>
+                        <a:t>Recursive Feature Elimination</a:t>
+                      </a:r>
                     </a:p>
                   </a:txBody>
                   <a:tcPr>
@@ -7768,11 +8332,14 @@
                     <a:bodyPr/>
                     <a:lstStyle/>
                     <a:p>
-                      <a:endParaRPr lang="en-IN">
-                        <a:solidFill>
-                          <a:schemeClr val="bg1"/>
-                        </a:solidFill>
-                      </a:endParaRPr>
+                      <a:r>
+                        <a:rPr lang="en-IN" dirty="0">
+                          <a:solidFill>
+                            <a:schemeClr val="bg1"/>
+                          </a:solidFill>
+                        </a:rPr>
+                        <a:t>ANOVA</a:t>
+                      </a:r>
                     </a:p>
                   </a:txBody>
                   <a:tcPr>
@@ -7788,11 +8355,14 @@
                     <a:bodyPr/>
                     <a:lstStyle/>
                     <a:p>
-                      <a:endParaRPr lang="en-IN" dirty="0">
-                        <a:solidFill>
-                          <a:schemeClr val="bg1"/>
-                        </a:solidFill>
-                      </a:endParaRPr>
+                      <a:r>
+                        <a:rPr lang="en-IN" dirty="0">
+                          <a:solidFill>
+                            <a:schemeClr val="bg1"/>
+                          </a:solidFill>
+                        </a:rPr>
+                        <a:t>Logistic Regression</a:t>
+                      </a:r>
                     </a:p>
                   </a:txBody>
                   <a:tcPr>
@@ -7967,7 +8537,7 @@
           <p:nvPr/>
         </p:nvPicPr>
         <p:blipFill rotWithShape="1">
-          <a:blip r:embed="rId2"/>
+          <a:blip r:embed="rId3"/>
           <a:srcRect l="1763" t="2618" r="2595" b="3681"/>
           <a:stretch/>
         </p:blipFill>
@@ -7996,7 +8566,7 @@
           <p:nvPr/>
         </p:nvPicPr>
         <p:blipFill>
-          <a:blip r:embed="rId3">
+          <a:blip r:embed="rId4">
             <a:duotone>
               <a:schemeClr val="bg2">
                 <a:shade val="45000"/>
@@ -8017,7 +8587,7 @@
         </p:blipFill>
         <p:spPr bwMode="auto">
           <a:xfrm>
-            <a:off x="4665286" y="2574525"/>
+            <a:off x="3933480" y="1913091"/>
             <a:ext cx="2506126" cy="2506126"/>
           </a:xfrm>
           <a:prstGeom prst="rect">
@@ -8049,7 +8619,7 @@
         </p:nvSpPr>
         <p:spPr>
           <a:xfrm>
-            <a:off x="6548410" y="2174415"/>
+            <a:off x="5839305" y="1556938"/>
             <a:ext cx="1418209" cy="400110"/>
           </a:xfrm>
           <a:prstGeom prst="rect">
@@ -8072,6 +8642,295 @@
                 </a:solidFill>
               </a:rPr>
               <a:t>KNN</a:t>
+            </a:r>
+          </a:p>
+        </p:txBody>
+      </p:sp>
+      <p:pic>
+        <p:nvPicPr>
+          <p:cNvPr id="1030" name="Picture 6" descr="Image result for cloud symbol">
+            <a:extLst>
+              <a:ext uri="{FF2B5EF4-FFF2-40B4-BE49-F238E27FC236}">
+                <a16:creationId xmlns:a16="http://schemas.microsoft.com/office/drawing/2014/main" id="{7DCE1014-4CF7-476B-8168-5A4DE3973199}"/>
+              </a:ext>
+            </a:extLst>
+          </p:cNvPr>
+          <p:cNvPicPr>
+            <a:picLocks noChangeAspect="1" noChangeArrowheads="1"/>
+          </p:cNvPicPr>
+          <p:nvPr/>
+        </p:nvPicPr>
+        <p:blipFill>
+          <a:blip r:embed="rId5">
+            <a:lum bright="70000" contrast="-70000"/>
+            <a:extLst>
+              <a:ext uri="{28A0092B-C50C-407E-A947-70E740481C1C}">
+                <a14:useLocalDpi xmlns:a14="http://schemas.microsoft.com/office/drawing/2010/main" val="0"/>
+              </a:ext>
+            </a:extLst>
+          </a:blip>
+          <a:srcRect/>
+          <a:stretch>
+            <a:fillRect/>
+          </a:stretch>
+        </p:blipFill>
+        <p:spPr bwMode="auto">
+          <a:xfrm>
+            <a:off x="8126060" y="265500"/>
+            <a:ext cx="3439335" cy="3439335"/>
+          </a:xfrm>
+          <a:prstGeom prst="rect">
+            <a:avLst/>
+          </a:prstGeom>
+          <a:noFill/>
+          <a:extLst>
+            <a:ext uri="{909E8E84-426E-40DD-AFC4-6F175D3DCCD1}">
+              <a14:hiddenFill xmlns:a14="http://schemas.microsoft.com/office/drawing/2010/main">
+                <a:solidFill>
+                  <a:srgbClr val="FFFFFF"/>
+                </a:solidFill>
+              </a14:hiddenFill>
+            </a:ext>
+          </a:extLst>
+        </p:spPr>
+      </p:pic>
+      <p:pic>
+        <p:nvPicPr>
+          <p:cNvPr id="1032" name="Picture 8" descr="Image result for grid search symbol transparent">
+            <a:extLst>
+              <a:ext uri="{FF2B5EF4-FFF2-40B4-BE49-F238E27FC236}">
+                <a16:creationId xmlns:a16="http://schemas.microsoft.com/office/drawing/2014/main" id="{C04A26AD-AB0C-41E2-9B8F-A3C6FCBC10CE}"/>
+              </a:ext>
+            </a:extLst>
+          </p:cNvPr>
+          <p:cNvPicPr>
+            <a:picLocks noChangeAspect="1" noChangeArrowheads="1"/>
+          </p:cNvPicPr>
+          <p:nvPr/>
+        </p:nvPicPr>
+        <p:blipFill>
+          <a:blip r:embed="rId6">
+            <a:duotone>
+              <a:schemeClr val="accent1">
+                <a:shade val="45000"/>
+                <a:satMod val="135000"/>
+              </a:schemeClr>
+              <a:prstClr val="white"/>
+            </a:duotone>
+            <a:extLst>
+              <a:ext uri="{28A0092B-C50C-407E-A947-70E740481C1C}">
+                <a14:useLocalDpi xmlns:a14="http://schemas.microsoft.com/office/drawing/2010/main" val="0"/>
+              </a:ext>
+            </a:extLst>
+          </a:blip>
+          <a:srcRect/>
+          <a:stretch>
+            <a:fillRect/>
+          </a:stretch>
+        </p:blipFill>
+        <p:spPr bwMode="auto">
+          <a:xfrm>
+            <a:off x="9051366" y="1626655"/>
+            <a:ext cx="2928260" cy="2928260"/>
+          </a:xfrm>
+          <a:prstGeom prst="rect">
+            <a:avLst/>
+          </a:prstGeom>
+          <a:noFill/>
+          <a:extLst>
+            <a:ext uri="{909E8E84-426E-40DD-AFC4-6F175D3DCCD1}">
+              <a14:hiddenFill xmlns:a14="http://schemas.microsoft.com/office/drawing/2010/main">
+                <a:solidFill>
+                  <a:srgbClr val="FFFFFF"/>
+                </a:solidFill>
+              </a14:hiddenFill>
+            </a:ext>
+          </a:extLst>
+        </p:spPr>
+      </p:pic>
+      <p:pic>
+        <p:nvPicPr>
+          <p:cNvPr id="1034" name="Picture 10" descr="Image result for belief network transparent">
+            <a:extLst>
+              <a:ext uri="{FF2B5EF4-FFF2-40B4-BE49-F238E27FC236}">
+                <a16:creationId xmlns:a16="http://schemas.microsoft.com/office/drawing/2014/main" id="{427605D4-0779-4CB0-BA5F-1321CCDE19EC}"/>
+              </a:ext>
+            </a:extLst>
+          </p:cNvPr>
+          <p:cNvPicPr>
+            <a:picLocks noChangeAspect="1" noChangeArrowheads="1"/>
+          </p:cNvPicPr>
+          <p:nvPr/>
+        </p:nvPicPr>
+        <p:blipFill>
+          <a:blip r:embed="rId7">
+            <a:duotone>
+              <a:schemeClr val="bg2">
+                <a:shade val="45000"/>
+                <a:satMod val="135000"/>
+              </a:schemeClr>
+              <a:prstClr val="white"/>
+            </a:duotone>
+            <a:extLst>
+              <a:ext uri="{28A0092B-C50C-407E-A947-70E740481C1C}">
+                <a14:useLocalDpi xmlns:a14="http://schemas.microsoft.com/office/drawing/2010/main" val="0"/>
+              </a:ext>
+            </a:extLst>
+          </a:blip>
+          <a:srcRect/>
+          <a:stretch>
+            <a:fillRect/>
+          </a:stretch>
+        </p:blipFill>
+        <p:spPr bwMode="auto">
+          <a:xfrm>
+            <a:off x="5280233" y="4161681"/>
+            <a:ext cx="4540849" cy="1952565"/>
+          </a:xfrm>
+          <a:prstGeom prst="rect">
+            <a:avLst/>
+          </a:prstGeom>
+          <a:noFill/>
+          <a:extLst>
+            <a:ext uri="{909E8E84-426E-40DD-AFC4-6F175D3DCCD1}">
+              <a14:hiddenFill xmlns:a14="http://schemas.microsoft.com/office/drawing/2010/main">
+                <a:solidFill>
+                  <a:srgbClr val="FFFFFF"/>
+                </a:solidFill>
+              </a14:hiddenFill>
+            </a:ext>
+          </a:extLst>
+        </p:spPr>
+      </p:pic>
+      <p:sp>
+        <p:nvSpPr>
+          <p:cNvPr id="12" name="TextBox 11">
+            <a:extLst>
+              <a:ext uri="{FF2B5EF4-FFF2-40B4-BE49-F238E27FC236}">
+                <a16:creationId xmlns:a16="http://schemas.microsoft.com/office/drawing/2014/main" id="{7E6D718F-E7EA-4818-B47C-E0A976697FAC}"/>
+              </a:ext>
+            </a:extLst>
+          </p:cNvPr>
+          <p:cNvSpPr txBox="1"/>
+          <p:nvPr/>
+        </p:nvSpPr>
+        <p:spPr>
+          <a:xfrm>
+            <a:off x="6625241" y="6182000"/>
+            <a:ext cx="2076646" cy="400110"/>
+          </a:xfrm>
+          <a:prstGeom prst="rect">
+            <a:avLst/>
+          </a:prstGeom>
+          <a:noFill/>
+        </p:spPr>
+        <p:txBody>
+          <a:bodyPr wrap="square" rtlCol="0">
+            <a:spAutoFit/>
+          </a:bodyPr>
+          <a:lstStyle/>
+          <a:p>
+            <a:r>
+              <a:rPr lang="en-IN" sz="2000" b="1" dirty="0">
+                <a:solidFill>
+                  <a:schemeClr val="bg1">
+                    <a:lumMod val="75000"/>
+                  </a:schemeClr>
+                </a:solidFill>
+              </a:rPr>
+              <a:t>Belief Networks</a:t>
+            </a:r>
+          </a:p>
+        </p:txBody>
+      </p:sp>
+      <p:sp>
+        <p:nvSpPr>
+          <p:cNvPr id="13" name="TextBox 12">
+            <a:extLst>
+              <a:ext uri="{FF2B5EF4-FFF2-40B4-BE49-F238E27FC236}">
+                <a16:creationId xmlns:a16="http://schemas.microsoft.com/office/drawing/2014/main" id="{1DAAA5DE-79B4-4964-9E1A-93618734BEFC}"/>
+              </a:ext>
+            </a:extLst>
+          </p:cNvPr>
+          <p:cNvSpPr txBox="1"/>
+          <p:nvPr/>
+        </p:nvSpPr>
+        <p:spPr>
+          <a:xfrm>
+            <a:off x="8782759" y="782357"/>
+            <a:ext cx="2076646" cy="400110"/>
+          </a:xfrm>
+          <a:prstGeom prst="rect">
+            <a:avLst/>
+          </a:prstGeom>
+          <a:noFill/>
+        </p:spPr>
+        <p:txBody>
+          <a:bodyPr wrap="square" rtlCol="0">
+            <a:spAutoFit/>
+          </a:bodyPr>
+          <a:lstStyle/>
+          <a:p>
+            <a:r>
+              <a:rPr lang="en-IN" sz="2000" b="1" dirty="0">
+                <a:solidFill>
+                  <a:schemeClr val="bg1">
+                    <a:lumMod val="75000"/>
+                  </a:schemeClr>
+                </a:solidFill>
+              </a:rPr>
+              <a:t>Cloud</a:t>
+            </a:r>
+          </a:p>
+        </p:txBody>
+      </p:sp>
+      <p:sp>
+        <p:nvSpPr>
+          <p:cNvPr id="16" name="TextBox 15">
+            <a:extLst>
+              <a:ext uri="{FF2B5EF4-FFF2-40B4-BE49-F238E27FC236}">
+                <a16:creationId xmlns:a16="http://schemas.microsoft.com/office/drawing/2014/main" id="{222CFFFD-1030-407F-A95D-EB7442597BF0}"/>
+              </a:ext>
+            </a:extLst>
+          </p:cNvPr>
+          <p:cNvSpPr txBox="1"/>
+          <p:nvPr/>
+        </p:nvSpPr>
+        <p:spPr>
+          <a:xfrm>
+            <a:off x="9952271" y="4193101"/>
+            <a:ext cx="2076646" cy="707886"/>
+          </a:xfrm>
+          <a:prstGeom prst="rect">
+            <a:avLst/>
+          </a:prstGeom>
+          <a:noFill/>
+        </p:spPr>
+        <p:txBody>
+          <a:bodyPr wrap="square" rtlCol="0">
+            <a:spAutoFit/>
+          </a:bodyPr>
+          <a:lstStyle/>
+          <a:p>
+            <a:r>
+              <a:rPr lang="en-IN" sz="2000" b="1" dirty="0" err="1">
+                <a:solidFill>
+                  <a:schemeClr val="bg1">
+                    <a:lumMod val="75000"/>
+                  </a:schemeClr>
+                </a:solidFill>
+              </a:rPr>
+              <a:t>HyperParameter</a:t>
+            </a:r>
+            <a:r>
+              <a:rPr lang="en-IN" sz="2000" b="1" dirty="0">
+                <a:solidFill>
+                  <a:schemeClr val="bg1">
+                    <a:lumMod val="75000"/>
+                  </a:schemeClr>
+                </a:solidFill>
+              </a:rPr>
+              <a:t> Tuning</a:t>
             </a:r>
           </a:p>
         </p:txBody>
@@ -8382,4 +9241,299 @@
     </a:ext>
   </a:extLst>
 </a:theme>
+</file>
+
+<file path=ppt/theme/theme2.xml><?xml version="1.0" encoding="utf-8"?>
+<a:theme xmlns:a="http://schemas.openxmlformats.org/drawingml/2006/main" name="Office Theme">
+  <a:themeElements>
+    <a:clrScheme name="Office">
+      <a:dk1>
+        <a:sysClr val="windowText" lastClr="000000"/>
+      </a:dk1>
+      <a:lt1>
+        <a:sysClr val="window" lastClr="FFFFFF"/>
+      </a:lt1>
+      <a:dk2>
+        <a:srgbClr val="44546A"/>
+      </a:dk2>
+      <a:lt2>
+        <a:srgbClr val="E7E6E6"/>
+      </a:lt2>
+      <a:accent1>
+        <a:srgbClr val="4472C4"/>
+      </a:accent1>
+      <a:accent2>
+        <a:srgbClr val="ED7D31"/>
+      </a:accent2>
+      <a:accent3>
+        <a:srgbClr val="A5A5A5"/>
+      </a:accent3>
+      <a:accent4>
+        <a:srgbClr val="FFC000"/>
+      </a:accent4>
+      <a:accent5>
+        <a:srgbClr val="5B9BD5"/>
+      </a:accent5>
+      <a:accent6>
+        <a:srgbClr val="70AD47"/>
+      </a:accent6>
+      <a:hlink>
+        <a:srgbClr val="0563C1"/>
+      </a:hlink>
+      <a:folHlink>
+        <a:srgbClr val="954F72"/>
+      </a:folHlink>
+    </a:clrScheme>
+    <a:fontScheme name="Office">
+      <a:majorFont>
+        <a:latin typeface="Calibri Light" panose="020F0302020204030204"/>
+        <a:ea typeface=""/>
+        <a:cs typeface=""/>
+        <a:font script="Jpan" typeface="游ゴシック Light"/>
+        <a:font script="Hang" typeface="맑은 고딕"/>
+        <a:font script="Hans" typeface="等线 Light"/>
+        <a:font script="Hant" typeface="新細明體"/>
+        <a:font script="Arab" typeface="Times New Roman"/>
+        <a:font script="Hebr" typeface="Times New Roman"/>
+        <a:font script="Thai" typeface="Angsana New"/>
+        <a:font script="Ethi" typeface="Nyala"/>
+        <a:font script="Beng" typeface="Vrinda"/>
+        <a:font script="Gujr" typeface="Shruti"/>
+        <a:font script="Khmr" typeface="MoolBoran"/>
+        <a:font script="Knda" typeface="Tunga"/>
+        <a:font script="Guru" typeface="Raavi"/>
+        <a:font script="Cans" typeface="Euphemia"/>
+        <a:font script="Cher" typeface="Plantagenet Cherokee"/>
+        <a:font script="Yiii" typeface="Microsoft Yi Baiti"/>
+        <a:font script="Tibt" typeface="Microsoft Himalaya"/>
+        <a:font script="Thaa" typeface="MV Boli"/>
+        <a:font script="Deva" typeface="Mangal"/>
+        <a:font script="Telu" typeface="Gautami"/>
+        <a:font script="Taml" typeface="Latha"/>
+        <a:font script="Syrc" typeface="Estrangelo Edessa"/>
+        <a:font script="Orya" typeface="Kalinga"/>
+        <a:font script="Mlym" typeface="Kartika"/>
+        <a:font script="Laoo" typeface="DokChampa"/>
+        <a:font script="Sinh" typeface="Iskoola Pota"/>
+        <a:font script="Mong" typeface="Mongolian Baiti"/>
+        <a:font script="Viet" typeface="Times New Roman"/>
+        <a:font script="Uigh" typeface="Microsoft Uighur"/>
+        <a:font script="Geor" typeface="Sylfaen"/>
+        <a:font script="Armn" typeface="Arial"/>
+        <a:font script="Bugi" typeface="Leelawadee UI"/>
+        <a:font script="Bopo" typeface="Microsoft JhengHei"/>
+        <a:font script="Java" typeface="Javanese Text"/>
+        <a:font script="Lisu" typeface="Segoe UI"/>
+        <a:font script="Mymr" typeface="Myanmar Text"/>
+        <a:font script="Nkoo" typeface="Ebrima"/>
+        <a:font script="Olck" typeface="Nirmala UI"/>
+        <a:font script="Osma" typeface="Ebrima"/>
+        <a:font script="Phag" typeface="Phagspa"/>
+        <a:font script="Syrn" typeface="Estrangelo Edessa"/>
+        <a:font script="Syrj" typeface="Estrangelo Edessa"/>
+        <a:font script="Syre" typeface="Estrangelo Edessa"/>
+        <a:font script="Sora" typeface="Nirmala UI"/>
+        <a:font script="Tale" typeface="Microsoft Tai Le"/>
+        <a:font script="Talu" typeface="Microsoft New Tai Lue"/>
+        <a:font script="Tfng" typeface="Ebrima"/>
+      </a:majorFont>
+      <a:minorFont>
+        <a:latin typeface="Calibri" panose="020F0502020204030204"/>
+        <a:ea typeface=""/>
+        <a:cs typeface=""/>
+        <a:font script="Jpan" typeface="游ゴシック"/>
+        <a:font script="Hang" typeface="맑은 고딕"/>
+        <a:font script="Hans" typeface="等线"/>
+        <a:font script="Hant" typeface="新細明體"/>
+        <a:font script="Arab" typeface="Arial"/>
+        <a:font script="Hebr" typeface="Arial"/>
+        <a:font script="Thai" typeface="Cordia New"/>
+        <a:font script="Ethi" typeface="Nyala"/>
+        <a:font script="Beng" typeface="Vrinda"/>
+        <a:font script="Gujr" typeface="Shruti"/>
+        <a:font script="Khmr" typeface="DaunPenh"/>
+        <a:font script="Knda" typeface="Tunga"/>
+        <a:font script="Guru" typeface="Raavi"/>
+        <a:font script="Cans" typeface="Euphemia"/>
+        <a:font script="Cher" typeface="Plantagenet Cherokee"/>
+        <a:font script="Yiii" typeface="Microsoft Yi Baiti"/>
+        <a:font script="Tibt" typeface="Microsoft Himalaya"/>
+        <a:font script="Thaa" typeface="MV Boli"/>
+        <a:font script="Deva" typeface="Mangal"/>
+        <a:font script="Telu" typeface="Gautami"/>
+        <a:font script="Taml" typeface="Latha"/>
+        <a:font script="Syrc" typeface="Estrangelo Edessa"/>
+        <a:font script="Orya" typeface="Kalinga"/>
+        <a:font script="Mlym" typeface="Kartika"/>
+        <a:font script="Laoo" typeface="DokChampa"/>
+        <a:font script="Sinh" typeface="Iskoola Pota"/>
+        <a:font script="Mong" typeface="Mongolian Baiti"/>
+        <a:font script="Viet" typeface="Arial"/>
+        <a:font script="Uigh" typeface="Microsoft Uighur"/>
+        <a:font script="Geor" typeface="Sylfaen"/>
+        <a:font script="Armn" typeface="Arial"/>
+        <a:font script="Bugi" typeface="Leelawadee UI"/>
+        <a:font script="Bopo" typeface="Microsoft JhengHei"/>
+        <a:font script="Java" typeface="Javanese Text"/>
+        <a:font script="Lisu" typeface="Segoe UI"/>
+        <a:font script="Mymr" typeface="Myanmar Text"/>
+        <a:font script="Nkoo" typeface="Ebrima"/>
+        <a:font script="Olck" typeface="Nirmala UI"/>
+        <a:font script="Osma" typeface="Ebrima"/>
+        <a:font script="Phag" typeface="Phagspa"/>
+        <a:font script="Syrn" typeface="Estrangelo Edessa"/>
+        <a:font script="Syrj" typeface="Estrangelo Edessa"/>
+        <a:font script="Syre" typeface="Estrangelo Edessa"/>
+        <a:font script="Sora" typeface="Nirmala UI"/>
+        <a:font script="Tale" typeface="Microsoft Tai Le"/>
+        <a:font script="Talu" typeface="Microsoft New Tai Lue"/>
+        <a:font script="Tfng" typeface="Ebrima"/>
+      </a:minorFont>
+    </a:fontScheme>
+    <a:fmtScheme name="Office">
+      <a:fillStyleLst>
+        <a:solidFill>
+          <a:schemeClr val="phClr"/>
+        </a:solidFill>
+        <a:gradFill rotWithShape="1">
+          <a:gsLst>
+            <a:gs pos="0">
+              <a:schemeClr val="phClr">
+                <a:lumMod val="110000"/>
+                <a:satMod val="105000"/>
+                <a:tint val="67000"/>
+              </a:schemeClr>
+            </a:gs>
+            <a:gs pos="50000">
+              <a:schemeClr val="phClr">
+                <a:lumMod val="105000"/>
+                <a:satMod val="103000"/>
+                <a:tint val="73000"/>
+              </a:schemeClr>
+            </a:gs>
+            <a:gs pos="100000">
+              <a:schemeClr val="phClr">
+                <a:lumMod val="105000"/>
+                <a:satMod val="109000"/>
+                <a:tint val="81000"/>
+              </a:schemeClr>
+            </a:gs>
+          </a:gsLst>
+          <a:lin ang="5400000" scaled="0"/>
+        </a:gradFill>
+        <a:gradFill rotWithShape="1">
+          <a:gsLst>
+            <a:gs pos="0">
+              <a:schemeClr val="phClr">
+                <a:satMod val="103000"/>
+                <a:lumMod val="102000"/>
+                <a:tint val="94000"/>
+              </a:schemeClr>
+            </a:gs>
+            <a:gs pos="50000">
+              <a:schemeClr val="phClr">
+                <a:satMod val="110000"/>
+                <a:lumMod val="100000"/>
+                <a:shade val="100000"/>
+              </a:schemeClr>
+            </a:gs>
+            <a:gs pos="100000">
+              <a:schemeClr val="phClr">
+                <a:lumMod val="99000"/>
+                <a:satMod val="120000"/>
+                <a:shade val="78000"/>
+              </a:schemeClr>
+            </a:gs>
+          </a:gsLst>
+          <a:lin ang="5400000" scaled="0"/>
+        </a:gradFill>
+      </a:fillStyleLst>
+      <a:lnStyleLst>
+        <a:ln w="6350" cap="flat" cmpd="sng" algn="ctr">
+          <a:solidFill>
+            <a:schemeClr val="phClr"/>
+          </a:solidFill>
+          <a:prstDash val="solid"/>
+          <a:miter lim="800000"/>
+        </a:ln>
+        <a:ln w="12700" cap="flat" cmpd="sng" algn="ctr">
+          <a:solidFill>
+            <a:schemeClr val="phClr"/>
+          </a:solidFill>
+          <a:prstDash val="solid"/>
+          <a:miter lim="800000"/>
+        </a:ln>
+        <a:ln w="19050" cap="flat" cmpd="sng" algn="ctr">
+          <a:solidFill>
+            <a:schemeClr val="phClr"/>
+          </a:solidFill>
+          <a:prstDash val="solid"/>
+          <a:miter lim="800000"/>
+        </a:ln>
+      </a:lnStyleLst>
+      <a:effectStyleLst>
+        <a:effectStyle>
+          <a:effectLst/>
+        </a:effectStyle>
+        <a:effectStyle>
+          <a:effectLst/>
+        </a:effectStyle>
+        <a:effectStyle>
+          <a:effectLst>
+            <a:outerShdw blurRad="57150" dist="19050" dir="5400000" algn="ctr" rotWithShape="0">
+              <a:srgbClr val="000000">
+                <a:alpha val="63000"/>
+              </a:srgbClr>
+            </a:outerShdw>
+          </a:effectLst>
+        </a:effectStyle>
+      </a:effectStyleLst>
+      <a:bgFillStyleLst>
+        <a:solidFill>
+          <a:schemeClr val="phClr"/>
+        </a:solidFill>
+        <a:solidFill>
+          <a:schemeClr val="phClr">
+            <a:tint val="95000"/>
+            <a:satMod val="170000"/>
+          </a:schemeClr>
+        </a:solidFill>
+        <a:gradFill rotWithShape="1">
+          <a:gsLst>
+            <a:gs pos="0">
+              <a:schemeClr val="phClr">
+                <a:tint val="93000"/>
+                <a:satMod val="150000"/>
+                <a:shade val="98000"/>
+                <a:lumMod val="102000"/>
+              </a:schemeClr>
+            </a:gs>
+            <a:gs pos="50000">
+              <a:schemeClr val="phClr">
+                <a:tint val="98000"/>
+                <a:satMod val="130000"/>
+                <a:shade val="90000"/>
+                <a:lumMod val="103000"/>
+              </a:schemeClr>
+            </a:gs>
+            <a:gs pos="100000">
+              <a:schemeClr val="phClr">
+                <a:shade val="63000"/>
+                <a:satMod val="120000"/>
+              </a:schemeClr>
+            </a:gs>
+          </a:gsLst>
+          <a:lin ang="5400000" scaled="0"/>
+        </a:gradFill>
+      </a:bgFillStyleLst>
+    </a:fmtScheme>
+  </a:themeElements>
+  <a:objectDefaults/>
+  <a:extraClrSchemeLst/>
+  <a:extLst>
+    <a:ext uri="{05A4C25C-085E-4340-85A3-A5531E510DB2}">
+      <thm15:themeFamily xmlns:thm15="http://schemas.microsoft.com/office/thememl/2012/main" name="Office Theme" id="{62F939B6-93AF-4DB8-9C6B-D6C7DFDC589F}" vid="{4A3C46E8-61CC-4603-A589-7422A47A8E4A}"/>
+    </a:ext>
+  </a:extLst>
+</a:theme>
 </file>
--- a/Documentation/Presentation.pptx
+++ b/Documentation/Presentation.pptx
@@ -5543,237 +5543,6 @@
           </a:p>
         </p:txBody>
       </p:sp>
-      <p:pic>
-        <p:nvPicPr>
-          <p:cNvPr id="4108" name="Picture 12" descr="Image result for network symbol png">
-            <a:extLst>
-              <a:ext uri="{FF2B5EF4-FFF2-40B4-BE49-F238E27FC236}">
-                <a16:creationId xmlns:a16="http://schemas.microsoft.com/office/drawing/2014/main" id="{742DE90A-8EB3-46B4-A533-CFA3370062C1}"/>
-              </a:ext>
-            </a:extLst>
-          </p:cNvPr>
-          <p:cNvPicPr>
-            <a:picLocks noChangeAspect="1" noChangeArrowheads="1"/>
-          </p:cNvPicPr>
-          <p:nvPr/>
-        </p:nvPicPr>
-        <p:blipFill>
-          <a:blip r:embed="rId2">
-            <a:duotone>
-              <a:schemeClr val="bg2">
-                <a:shade val="45000"/>
-                <a:satMod val="135000"/>
-              </a:schemeClr>
-              <a:prstClr val="white"/>
-            </a:duotone>
-            <a:extLst>
-              <a:ext uri="{28A0092B-C50C-407E-A947-70E740481C1C}">
-                <a14:useLocalDpi xmlns:a14="http://schemas.microsoft.com/office/drawing/2010/main" val="0"/>
-              </a:ext>
-            </a:extLst>
-          </a:blip>
-          <a:srcRect/>
-          <a:stretch>
-            <a:fillRect/>
-          </a:stretch>
-        </p:blipFill>
-        <p:spPr bwMode="auto">
-          <a:xfrm>
-            <a:off x="253084" y="4314548"/>
-            <a:ext cx="2506126" cy="2506126"/>
-          </a:xfrm>
-          <a:prstGeom prst="rect">
-            <a:avLst/>
-          </a:prstGeom>
-          <a:noFill/>
-          <a:extLst>
-            <a:ext uri="{909E8E84-426E-40DD-AFC4-6F175D3DCCD1}">
-              <a14:hiddenFill xmlns:a14="http://schemas.microsoft.com/office/drawing/2010/main">
-                <a:solidFill>
-                  <a:srgbClr val="FFFFFF"/>
-                </a:solidFill>
-              </a14:hiddenFill>
-            </a:ext>
-          </a:extLst>
-        </p:spPr>
-      </p:pic>
-      <p:grpSp>
-        <p:nvGrpSpPr>
-          <p:cNvPr id="6" name="Group 5">
-            <a:extLst>
-              <a:ext uri="{FF2B5EF4-FFF2-40B4-BE49-F238E27FC236}">
-                <a16:creationId xmlns:a16="http://schemas.microsoft.com/office/drawing/2014/main" id="{E4E6E3E5-2FD3-48C8-81A6-6B5D84CC8064}"/>
-              </a:ext>
-            </a:extLst>
-          </p:cNvPr>
-          <p:cNvGrpSpPr/>
-          <p:nvPr/>
-        </p:nvGrpSpPr>
-        <p:grpSpPr>
-          <a:xfrm>
-            <a:off x="229773" y="1568687"/>
-            <a:ext cx="2437227" cy="2310855"/>
-            <a:chOff x="324556" y="1518080"/>
-            <a:chExt cx="3436985" cy="3415825"/>
-          </a:xfrm>
-        </p:grpSpPr>
-        <p:pic>
-          <p:nvPicPr>
-            <p:cNvPr id="4100" name="Picture 4" descr="Image result for forest symbol png">
-              <a:extLst>
-                <a:ext uri="{FF2B5EF4-FFF2-40B4-BE49-F238E27FC236}">
-                  <a16:creationId xmlns:a16="http://schemas.microsoft.com/office/drawing/2014/main" id="{136B2E71-14C6-4E65-9F24-08402B052396}"/>
-                </a:ext>
-              </a:extLst>
-            </p:cNvPr>
-            <p:cNvPicPr>
-              <a:picLocks noChangeAspect="1" noChangeArrowheads="1"/>
-            </p:cNvPicPr>
-            <p:nvPr/>
-          </p:nvPicPr>
-          <p:blipFill>
-            <a:blip r:embed="rId3">
-              <a:duotone>
-                <a:schemeClr val="bg2">
-                  <a:shade val="45000"/>
-                  <a:satMod val="135000"/>
-                </a:schemeClr>
-                <a:prstClr val="white"/>
-              </a:duotone>
-              <a:extLst>
-                <a:ext uri="{28A0092B-C50C-407E-A947-70E740481C1C}">
-                  <a14:useLocalDpi xmlns:a14="http://schemas.microsoft.com/office/drawing/2010/main" val="0"/>
-                </a:ext>
-              </a:extLst>
-            </a:blip>
-            <a:srcRect/>
-            <a:stretch>
-              <a:fillRect/>
-            </a:stretch>
-          </p:blipFill>
-          <p:spPr bwMode="auto">
-            <a:xfrm>
-              <a:off x="580008" y="1518080"/>
-              <a:ext cx="3175247" cy="3175247"/>
-            </a:xfrm>
-            <a:prstGeom prst="rect">
-              <a:avLst/>
-            </a:prstGeom>
-            <a:noFill/>
-            <a:extLst>
-              <a:ext uri="{909E8E84-426E-40DD-AFC4-6F175D3DCCD1}">
-                <a14:hiddenFill xmlns:a14="http://schemas.microsoft.com/office/drawing/2010/main">
-                  <a:solidFill>
-                    <a:srgbClr val="FFFFFF"/>
-                  </a:solidFill>
-                </a14:hiddenFill>
-              </a:ext>
-            </a:extLst>
-          </p:spPr>
-        </p:pic>
-        <p:pic>
-          <p:nvPicPr>
-            <p:cNvPr id="24" name="Picture 4" descr="Image result for forest symbol png">
-              <a:extLst>
-                <a:ext uri="{FF2B5EF4-FFF2-40B4-BE49-F238E27FC236}">
-                  <a16:creationId xmlns:a16="http://schemas.microsoft.com/office/drawing/2014/main" id="{46463490-8A17-4D9A-BFF9-5FB00CB5A302}"/>
-                </a:ext>
-              </a:extLst>
-            </p:cNvPr>
-            <p:cNvPicPr>
-              <a:picLocks noChangeAspect="1" noChangeArrowheads="1"/>
-            </p:cNvPicPr>
-            <p:nvPr/>
-          </p:nvPicPr>
-          <p:blipFill>
-            <a:blip r:embed="rId3">
-              <a:duotone>
-                <a:schemeClr val="accent3">
-                  <a:shade val="45000"/>
-                  <a:satMod val="135000"/>
-                </a:schemeClr>
-                <a:prstClr val="white"/>
-              </a:duotone>
-              <a:extLst>
-                <a:ext uri="{28A0092B-C50C-407E-A947-70E740481C1C}">
-                  <a14:useLocalDpi xmlns:a14="http://schemas.microsoft.com/office/drawing/2010/main" val="0"/>
-                </a:ext>
-              </a:extLst>
-            </a:blip>
-            <a:srcRect/>
-            <a:stretch>
-              <a:fillRect/>
-            </a:stretch>
-          </p:blipFill>
-          <p:spPr bwMode="auto">
-            <a:xfrm>
-              <a:off x="1439662" y="2574524"/>
-              <a:ext cx="2321879" cy="2321879"/>
-            </a:xfrm>
-            <a:prstGeom prst="rect">
-              <a:avLst/>
-            </a:prstGeom>
-            <a:noFill/>
-            <a:extLst>
-              <a:ext uri="{909E8E84-426E-40DD-AFC4-6F175D3DCCD1}">
-                <a14:hiddenFill xmlns:a14="http://schemas.microsoft.com/office/drawing/2010/main">
-                  <a:solidFill>
-                    <a:srgbClr val="FFFFFF"/>
-                  </a:solidFill>
-                </a14:hiddenFill>
-              </a:ext>
-            </a:extLst>
-          </p:spPr>
-        </p:pic>
-        <p:pic>
-          <p:nvPicPr>
-            <p:cNvPr id="25" name="Picture 4" descr="Image result for forest symbol png">
-              <a:extLst>
-                <a:ext uri="{FF2B5EF4-FFF2-40B4-BE49-F238E27FC236}">
-                  <a16:creationId xmlns:a16="http://schemas.microsoft.com/office/drawing/2014/main" id="{211FD4B7-4EBF-431E-9906-429E7CAA63D0}"/>
-                </a:ext>
-              </a:extLst>
-            </p:cNvPr>
-            <p:cNvPicPr>
-              <a:picLocks noChangeAspect="1" noChangeArrowheads="1"/>
-            </p:cNvPicPr>
-            <p:nvPr/>
-          </p:nvPicPr>
-          <p:blipFill>
-            <a:blip r:embed="rId3">
-              <a:lum bright="70000" contrast="-70000"/>
-              <a:extLst>
-                <a:ext uri="{28A0092B-C50C-407E-A947-70E740481C1C}">
-                  <a14:useLocalDpi xmlns:a14="http://schemas.microsoft.com/office/drawing/2010/main" val="0"/>
-                </a:ext>
-              </a:extLst>
-            </a:blip>
-            <a:srcRect/>
-            <a:stretch>
-              <a:fillRect/>
-            </a:stretch>
-          </p:blipFill>
-          <p:spPr bwMode="auto">
-            <a:xfrm>
-              <a:off x="324556" y="2856092"/>
-              <a:ext cx="2077813" cy="2077813"/>
-            </a:xfrm>
-            <a:prstGeom prst="rect">
-              <a:avLst/>
-            </a:prstGeom>
-            <a:noFill/>
-            <a:extLst>
-              <a:ext uri="{909E8E84-426E-40DD-AFC4-6F175D3DCCD1}">
-                <a14:hiddenFill xmlns:a14="http://schemas.microsoft.com/office/drawing/2010/main">
-                  <a:solidFill>
-                    <a:srgbClr val="FFFFFF"/>
-                  </a:solidFill>
-                </a14:hiddenFill>
-              </a:ext>
-            </a:extLst>
-          </p:spPr>
-        </p:pic>
-      </p:grpSp>
       <p:grpSp>
         <p:nvGrpSpPr>
           <p:cNvPr id="12" name="Group 11">
@@ -5788,7 +5557,7 @@
         </p:nvGrpSpPr>
         <p:grpSpPr>
           <a:xfrm rot="16200000">
-            <a:off x="2211520" y="2969289"/>
+            <a:off x="1201973" y="3155197"/>
             <a:ext cx="5040298" cy="2071606"/>
             <a:chOff x="8389398" y="2256635"/>
             <a:chExt cx="3693111" cy="1522081"/>
@@ -5829,7 +5598,7 @@
               <p:nvPr/>
             </p:nvPicPr>
             <p:blipFill>
-              <a:blip r:embed="rId3">
+              <a:blip r:embed="rId2">
                 <a:duotone>
                   <a:schemeClr val="bg2">
                     <a:shade val="45000"/>
@@ -5883,7 +5652,7 @@
               <p:nvPr/>
             </p:nvPicPr>
             <p:blipFill>
-              <a:blip r:embed="rId3">
+              <a:blip r:embed="rId2">
                 <a:duotone>
                   <a:schemeClr val="accent3">
                     <a:shade val="45000"/>
@@ -5937,7 +5706,7 @@
               <p:nvPr/>
             </p:nvPicPr>
             <p:blipFill>
-              <a:blip r:embed="rId3">
+              <a:blip r:embed="rId2">
                 <a:lum bright="70000" contrast="-70000"/>
                 <a:extLst>
                   <a:ext uri="{28A0092B-C50C-407E-A947-70E740481C1C}">
@@ -5986,7 +5755,7 @@
             <p:nvPr/>
           </p:nvPicPr>
           <p:blipFill>
-            <a:blip r:embed="rId2">
+            <a:blip r:embed="rId3">
               <a:duotone>
                 <a:schemeClr val="bg2">
                   <a:shade val="45000"/>
@@ -6303,8 +6072,8 @@
         </p:blipFill>
         <p:spPr bwMode="auto">
           <a:xfrm>
-            <a:off x="7792989" y="36251"/>
-            <a:ext cx="3240349" cy="3240349"/>
+            <a:off x="5515722" y="4563851"/>
+            <a:ext cx="1669110" cy="1669110"/>
           </a:xfrm>
           <a:prstGeom prst="rect">
             <a:avLst/>
@@ -6321,229 +6090,346 @@
           </a:extLst>
         </p:spPr>
       </p:pic>
-      <p:pic>
-        <p:nvPicPr>
-          <p:cNvPr id="4118" name="Picture 22" descr="Image result for brain symbol png">
-            <a:extLst>
-              <a:ext uri="{FF2B5EF4-FFF2-40B4-BE49-F238E27FC236}">
-                <a16:creationId xmlns:a16="http://schemas.microsoft.com/office/drawing/2014/main" id="{3FDDDBAD-3D4D-4E8B-8875-8388572BF4E5}"/>
-              </a:ext>
-            </a:extLst>
-          </p:cNvPr>
-          <p:cNvPicPr>
-            <a:picLocks noChangeAspect="1" noChangeArrowheads="1"/>
-          </p:cNvPicPr>
+      <p:grpSp>
+        <p:nvGrpSpPr>
+          <p:cNvPr id="3" name="Group 2">
+            <a:extLst>
+              <a:ext uri="{FF2B5EF4-FFF2-40B4-BE49-F238E27FC236}">
+                <a16:creationId xmlns:a16="http://schemas.microsoft.com/office/drawing/2014/main" id="{FDB199B2-7913-4965-A03E-471DE595C01B}"/>
+              </a:ext>
+            </a:extLst>
+          </p:cNvPr>
+          <p:cNvGrpSpPr/>
           <p:nvPr/>
-        </p:nvPicPr>
-        <p:blipFill>
-          <a:blip r:embed="rId5">
-            <a:duotone>
-              <a:schemeClr val="bg2">
-                <a:shade val="45000"/>
-                <a:satMod val="135000"/>
-              </a:schemeClr>
-              <a:prstClr val="white"/>
-            </a:duotone>
-            <a:alphaModFix amt="20000"/>
-            <a:extLst>
-              <a:ext uri="{28A0092B-C50C-407E-A947-70E740481C1C}">
-                <a14:useLocalDpi xmlns:a14="http://schemas.microsoft.com/office/drawing/2010/main" val="0"/>
-              </a:ext>
-            </a:extLst>
-          </a:blip>
-          <a:srcRect/>
-          <a:stretch>
-            <a:fillRect/>
-          </a:stretch>
-        </p:blipFill>
-        <p:spPr bwMode="auto">
+        </p:nvGrpSpPr>
+        <p:grpSpPr>
           <a:xfrm>
-            <a:off x="7330547" y="2839848"/>
-            <a:ext cx="4165232" cy="4165232"/>
+            <a:off x="229773" y="1484944"/>
+            <a:ext cx="2715627" cy="4962990"/>
+            <a:chOff x="229773" y="1484944"/>
+            <a:chExt cx="3913639" cy="5335730"/>
           </a:xfrm>
-          <a:prstGeom prst="rect">
-            <a:avLst/>
-          </a:prstGeom>
-          <a:noFill/>
-          <a:extLst>
-            <a:ext uri="{909E8E84-426E-40DD-AFC4-6F175D3DCCD1}">
-              <a14:hiddenFill xmlns:a14="http://schemas.microsoft.com/office/drawing/2010/main">
-                <a:solidFill>
-                  <a:srgbClr val="FFFFFF"/>
-                </a:solidFill>
-              </a14:hiddenFill>
-            </a:ext>
-          </a:extLst>
-        </p:spPr>
-      </p:pic>
-      <p:pic>
-        <p:nvPicPr>
-          <p:cNvPr id="4120" name="Picture 24" descr="Image result for book symbol png">
-            <a:extLst>
-              <a:ext uri="{FF2B5EF4-FFF2-40B4-BE49-F238E27FC236}">
-                <a16:creationId xmlns:a16="http://schemas.microsoft.com/office/drawing/2014/main" id="{EAD1E0F4-BCAF-48C4-A448-6779627518B6}"/>
-              </a:ext>
-            </a:extLst>
-          </p:cNvPr>
-          <p:cNvPicPr>
-            <a:picLocks noChangeAspect="1" noChangeArrowheads="1"/>
-          </p:cNvPicPr>
-          <p:nvPr/>
-        </p:nvPicPr>
-        <p:blipFill>
-          <a:blip r:embed="rId6">
-            <a:duotone>
-              <a:schemeClr val="accent5">
-                <a:shade val="45000"/>
-                <a:satMod val="135000"/>
-              </a:schemeClr>
-              <a:prstClr val="white"/>
-            </a:duotone>
-            <a:extLst>
-              <a:ext uri="{28A0092B-C50C-407E-A947-70E740481C1C}">
-                <a14:useLocalDpi xmlns:a14="http://schemas.microsoft.com/office/drawing/2010/main" val="0"/>
-              </a:ext>
-            </a:extLst>
-          </a:blip>
-          <a:srcRect/>
-          <a:stretch>
-            <a:fillRect/>
-          </a:stretch>
-        </p:blipFill>
-        <p:spPr bwMode="auto">
-          <a:xfrm>
-            <a:off x="7087351" y="3630693"/>
-            <a:ext cx="1867514" cy="1867514"/>
-          </a:xfrm>
-          <a:prstGeom prst="rect">
-            <a:avLst/>
-          </a:prstGeom>
-          <a:noFill/>
-          <a:extLst>
-            <a:ext uri="{909E8E84-426E-40DD-AFC4-6F175D3DCCD1}">
-              <a14:hiddenFill xmlns:a14="http://schemas.microsoft.com/office/drawing/2010/main">
-                <a:solidFill>
-                  <a:srgbClr val="FFFFFF"/>
-                </a:solidFill>
-              </a14:hiddenFill>
-            </a:ext>
-          </a:extLst>
-        </p:spPr>
-      </p:pic>
-      <p:sp>
-        <p:nvSpPr>
-          <p:cNvPr id="41" name="Plus Sign 40">
-            <a:extLst>
-              <a:ext uri="{FF2B5EF4-FFF2-40B4-BE49-F238E27FC236}">
-                <a16:creationId xmlns:a16="http://schemas.microsoft.com/office/drawing/2014/main" id="{2F50CE4E-A238-451B-A808-2AE856C1EE93}"/>
-              </a:ext>
-            </a:extLst>
-          </p:cNvPr>
-          <p:cNvSpPr/>
-          <p:nvPr/>
-        </p:nvSpPr>
-        <p:spPr>
-          <a:xfrm rot="16200000">
-            <a:off x="8851168" y="4012865"/>
-            <a:ext cx="1123991" cy="1231834"/>
-          </a:xfrm>
-          <a:prstGeom prst="mathPlus">
-            <a:avLst/>
-          </a:prstGeom>
-          <a:solidFill>
-            <a:schemeClr val="bg1">
-              <a:lumMod val="65000"/>
-            </a:schemeClr>
-          </a:solidFill>
-          <a:ln>
+        </p:grpSpPr>
+        <p:pic>
+          <p:nvPicPr>
+            <p:cNvPr id="4108" name="Picture 12" descr="Image result for network symbol png">
+              <a:extLst>
+                <a:ext uri="{FF2B5EF4-FFF2-40B4-BE49-F238E27FC236}">
+                  <a16:creationId xmlns:a16="http://schemas.microsoft.com/office/drawing/2014/main" id="{742DE90A-8EB3-46B4-A533-CFA3370062C1}"/>
+                </a:ext>
+              </a:extLst>
+            </p:cNvPr>
+            <p:cNvPicPr>
+              <a:picLocks noChangeAspect="1" noChangeArrowheads="1"/>
+            </p:cNvPicPr>
+            <p:nvPr/>
+          </p:nvPicPr>
+          <p:blipFill>
+            <a:blip r:embed="rId3">
+              <a:duotone>
+                <a:schemeClr val="bg2">
+                  <a:shade val="45000"/>
+                  <a:satMod val="135000"/>
+                </a:schemeClr>
+                <a:prstClr val="white"/>
+              </a:duotone>
+              <a:extLst>
+                <a:ext uri="{28A0092B-C50C-407E-A947-70E740481C1C}">
+                  <a14:useLocalDpi xmlns:a14="http://schemas.microsoft.com/office/drawing/2010/main" val="0"/>
+                </a:ext>
+              </a:extLst>
+            </a:blip>
+            <a:srcRect/>
+            <a:stretch>
+              <a:fillRect/>
+            </a:stretch>
+          </p:blipFill>
+          <p:spPr bwMode="auto">
+            <a:xfrm>
+              <a:off x="253084" y="4314548"/>
+              <a:ext cx="2894046" cy="2506126"/>
+            </a:xfrm>
+            <a:prstGeom prst="rect">
+              <a:avLst/>
+            </a:prstGeom>
             <a:noFill/>
-          </a:ln>
-        </p:spPr>
-        <p:style>
-          <a:lnRef idx="2">
-            <a:schemeClr val="accent1">
-              <a:shade val="50000"/>
-            </a:schemeClr>
-          </a:lnRef>
-          <a:fillRef idx="1">
-            <a:schemeClr val="accent1"/>
-          </a:fillRef>
-          <a:effectRef idx="0">
-            <a:schemeClr val="accent1"/>
-          </a:effectRef>
-          <a:fontRef idx="minor">
-            <a:schemeClr val="lt1"/>
-          </a:fontRef>
-        </p:style>
-        <p:txBody>
-          <a:bodyPr rtlCol="0" anchor="ctr"/>
-          <a:lstStyle/>
-          <a:p>
-            <a:pPr algn="ctr"/>
-            <a:endParaRPr lang="en-IN" dirty="0"/>
-          </a:p>
-        </p:txBody>
-      </p:sp>
-      <p:pic>
-        <p:nvPicPr>
-          <p:cNvPr id="4122" name="Picture 26" descr="Image result for instance symbol png">
-            <a:extLst>
-              <a:ext uri="{FF2B5EF4-FFF2-40B4-BE49-F238E27FC236}">
-                <a16:creationId xmlns:a16="http://schemas.microsoft.com/office/drawing/2014/main" id="{E87E189A-CCB5-43A2-98F1-B640F2E03AB4}"/>
-              </a:ext>
-            </a:extLst>
-          </p:cNvPr>
-          <p:cNvPicPr>
-            <a:picLocks noChangeAspect="1" noChangeArrowheads="1"/>
-          </p:cNvPicPr>
-          <p:nvPr/>
-        </p:nvPicPr>
-        <p:blipFill>
-          <a:blip r:embed="rId7">
-            <a:duotone>
-              <a:schemeClr val="accent4">
-                <a:shade val="45000"/>
-                <a:satMod val="135000"/>
-              </a:schemeClr>
-              <a:prstClr val="white"/>
-            </a:duotone>
-            <a:extLst>
-              <a:ext uri="{28A0092B-C50C-407E-A947-70E740481C1C}">
-                <a14:useLocalDpi xmlns:a14="http://schemas.microsoft.com/office/drawing/2010/main" val="0"/>
-              </a:ext>
-            </a:extLst>
-          </a:blip>
-          <a:srcRect/>
-          <a:stretch>
-            <a:fillRect/>
-          </a:stretch>
-        </p:blipFill>
-        <p:spPr bwMode="auto">
-          <a:xfrm>
-            <a:off x="9880587" y="3552651"/>
-            <a:ext cx="2152262" cy="2152262"/>
-          </a:xfrm>
-          <a:prstGeom prst="rect">
-            <a:avLst/>
-          </a:prstGeom>
-          <a:noFill/>
-          <a:extLst>
-            <a:ext uri="{909E8E84-426E-40DD-AFC4-6F175D3DCCD1}">
-              <a14:hiddenFill xmlns:a14="http://schemas.microsoft.com/office/drawing/2010/main">
-                <a:solidFill>
-                  <a:srgbClr val="FFFFFF"/>
-                </a:solidFill>
-              </a14:hiddenFill>
-            </a:ext>
-          </a:extLst>
-        </p:spPr>
-      </p:pic>
-      <p:sp>
-        <p:nvSpPr>
-          <p:cNvPr id="43" name="TextBox 42">
-            <a:extLst>
-              <a:ext uri="{FF2B5EF4-FFF2-40B4-BE49-F238E27FC236}">
-                <a16:creationId xmlns:a16="http://schemas.microsoft.com/office/drawing/2014/main" id="{B8B906CE-9C11-4CFA-BD92-CCDAA5D47CAA}"/>
+            <a:extLst>
+              <a:ext uri="{909E8E84-426E-40DD-AFC4-6F175D3DCCD1}">
+                <a14:hiddenFill xmlns:a14="http://schemas.microsoft.com/office/drawing/2010/main">
+                  <a:solidFill>
+                    <a:srgbClr val="FFFFFF"/>
+                  </a:solidFill>
+                </a14:hiddenFill>
+              </a:ext>
+            </a:extLst>
+          </p:spPr>
+        </p:pic>
+        <p:grpSp>
+          <p:nvGrpSpPr>
+            <p:cNvPr id="6" name="Group 5">
+              <a:extLst>
+                <a:ext uri="{FF2B5EF4-FFF2-40B4-BE49-F238E27FC236}">
+                  <a16:creationId xmlns:a16="http://schemas.microsoft.com/office/drawing/2014/main" id="{E4E6E3E5-2FD3-48C8-81A6-6B5D84CC8064}"/>
+                </a:ext>
+              </a:extLst>
+            </p:cNvPr>
+            <p:cNvGrpSpPr/>
+            <p:nvPr/>
+          </p:nvGrpSpPr>
+          <p:grpSpPr>
+            <a:xfrm>
+              <a:off x="229773" y="1568687"/>
+              <a:ext cx="2437227" cy="2310855"/>
+              <a:chOff x="324556" y="1518080"/>
+              <a:chExt cx="3436985" cy="3415825"/>
+            </a:xfrm>
+          </p:grpSpPr>
+          <p:pic>
+            <p:nvPicPr>
+              <p:cNvPr id="4100" name="Picture 4" descr="Image result for forest symbol png">
+                <a:extLst>
+                  <a:ext uri="{FF2B5EF4-FFF2-40B4-BE49-F238E27FC236}">
+                    <a16:creationId xmlns:a16="http://schemas.microsoft.com/office/drawing/2014/main" id="{136B2E71-14C6-4E65-9F24-08402B052396}"/>
+                  </a:ext>
+                </a:extLst>
+              </p:cNvPr>
+              <p:cNvPicPr>
+                <a:picLocks noChangeAspect="1" noChangeArrowheads="1"/>
+              </p:cNvPicPr>
+              <p:nvPr/>
+            </p:nvPicPr>
+            <p:blipFill>
+              <a:blip r:embed="rId2">
+                <a:duotone>
+                  <a:schemeClr val="bg2">
+                    <a:shade val="45000"/>
+                    <a:satMod val="135000"/>
+                  </a:schemeClr>
+                  <a:prstClr val="white"/>
+                </a:duotone>
+                <a:extLst>
+                  <a:ext uri="{28A0092B-C50C-407E-A947-70E740481C1C}">
+                    <a14:useLocalDpi xmlns:a14="http://schemas.microsoft.com/office/drawing/2010/main" val="0"/>
+                  </a:ext>
+                </a:extLst>
+              </a:blip>
+              <a:srcRect/>
+              <a:stretch>
+                <a:fillRect/>
+              </a:stretch>
+            </p:blipFill>
+            <p:spPr bwMode="auto">
+              <a:xfrm>
+                <a:off x="580008" y="1518080"/>
+                <a:ext cx="3175247" cy="3175247"/>
+              </a:xfrm>
+              <a:prstGeom prst="rect">
+                <a:avLst/>
+              </a:prstGeom>
+              <a:noFill/>
+              <a:extLst>
+                <a:ext uri="{909E8E84-426E-40DD-AFC4-6F175D3DCCD1}">
+                  <a14:hiddenFill xmlns:a14="http://schemas.microsoft.com/office/drawing/2010/main">
+                    <a:solidFill>
+                      <a:srgbClr val="FFFFFF"/>
+                    </a:solidFill>
+                  </a14:hiddenFill>
+                </a:ext>
+              </a:extLst>
+            </p:spPr>
+          </p:pic>
+          <p:pic>
+            <p:nvPicPr>
+              <p:cNvPr id="24" name="Picture 4" descr="Image result for forest symbol png">
+                <a:extLst>
+                  <a:ext uri="{FF2B5EF4-FFF2-40B4-BE49-F238E27FC236}">
+                    <a16:creationId xmlns:a16="http://schemas.microsoft.com/office/drawing/2014/main" id="{46463490-8A17-4D9A-BFF9-5FB00CB5A302}"/>
+                  </a:ext>
+                </a:extLst>
+              </p:cNvPr>
+              <p:cNvPicPr>
+                <a:picLocks noChangeAspect="1" noChangeArrowheads="1"/>
+              </p:cNvPicPr>
+              <p:nvPr/>
+            </p:nvPicPr>
+            <p:blipFill>
+              <a:blip r:embed="rId2">
+                <a:duotone>
+                  <a:schemeClr val="accent3">
+                    <a:shade val="45000"/>
+                    <a:satMod val="135000"/>
+                  </a:schemeClr>
+                  <a:prstClr val="white"/>
+                </a:duotone>
+                <a:extLst>
+                  <a:ext uri="{28A0092B-C50C-407E-A947-70E740481C1C}">
+                    <a14:useLocalDpi xmlns:a14="http://schemas.microsoft.com/office/drawing/2010/main" val="0"/>
+                  </a:ext>
+                </a:extLst>
+              </a:blip>
+              <a:srcRect/>
+              <a:stretch>
+                <a:fillRect/>
+              </a:stretch>
+            </p:blipFill>
+            <p:spPr bwMode="auto">
+              <a:xfrm>
+                <a:off x="1439662" y="2574524"/>
+                <a:ext cx="2321879" cy="2321879"/>
+              </a:xfrm>
+              <a:prstGeom prst="rect">
+                <a:avLst/>
+              </a:prstGeom>
+              <a:noFill/>
+              <a:extLst>
+                <a:ext uri="{909E8E84-426E-40DD-AFC4-6F175D3DCCD1}">
+                  <a14:hiddenFill xmlns:a14="http://schemas.microsoft.com/office/drawing/2010/main">
+                    <a:solidFill>
+                      <a:srgbClr val="FFFFFF"/>
+                    </a:solidFill>
+                  </a14:hiddenFill>
+                </a:ext>
+              </a:extLst>
+            </p:spPr>
+          </p:pic>
+          <p:pic>
+            <p:nvPicPr>
+              <p:cNvPr id="25" name="Picture 4" descr="Image result for forest symbol png">
+                <a:extLst>
+                  <a:ext uri="{FF2B5EF4-FFF2-40B4-BE49-F238E27FC236}">
+                    <a16:creationId xmlns:a16="http://schemas.microsoft.com/office/drawing/2014/main" id="{211FD4B7-4EBF-431E-9906-429E7CAA63D0}"/>
+                  </a:ext>
+                </a:extLst>
+              </p:cNvPr>
+              <p:cNvPicPr>
+                <a:picLocks noChangeAspect="1" noChangeArrowheads="1"/>
+              </p:cNvPicPr>
+              <p:nvPr/>
+            </p:nvPicPr>
+            <p:blipFill>
+              <a:blip r:embed="rId2">
+                <a:lum bright="70000" contrast="-70000"/>
+                <a:extLst>
+                  <a:ext uri="{28A0092B-C50C-407E-A947-70E740481C1C}">
+                    <a14:useLocalDpi xmlns:a14="http://schemas.microsoft.com/office/drawing/2010/main" val="0"/>
+                  </a:ext>
+                </a:extLst>
+              </a:blip>
+              <a:srcRect/>
+              <a:stretch>
+                <a:fillRect/>
+              </a:stretch>
+            </p:blipFill>
+            <p:spPr bwMode="auto">
+              <a:xfrm>
+                <a:off x="324556" y="2856092"/>
+                <a:ext cx="2077813" cy="2077813"/>
+              </a:xfrm>
+              <a:prstGeom prst="rect">
+                <a:avLst/>
+              </a:prstGeom>
+              <a:noFill/>
+              <a:extLst>
+                <a:ext uri="{909E8E84-426E-40DD-AFC4-6F175D3DCCD1}">
+                  <a14:hiddenFill xmlns:a14="http://schemas.microsoft.com/office/drawing/2010/main">
+                    <a:solidFill>
+                      <a:srgbClr val="FFFFFF"/>
+                    </a:solidFill>
+                  </a14:hiddenFill>
+                </a:ext>
+              </a:extLst>
+            </p:spPr>
+          </p:pic>
+        </p:grpSp>
+        <p:sp>
+          <p:nvSpPr>
+            <p:cNvPr id="43" name="TextBox 42">
+              <a:extLst>
+                <a:ext uri="{FF2B5EF4-FFF2-40B4-BE49-F238E27FC236}">
+                  <a16:creationId xmlns:a16="http://schemas.microsoft.com/office/drawing/2014/main" id="{B8B906CE-9C11-4CFA-BD92-CCDAA5D47CAA}"/>
+                </a:ext>
+              </a:extLst>
+            </p:cNvPr>
+            <p:cNvSpPr txBox="1"/>
+            <p:nvPr/>
+          </p:nvSpPr>
+          <p:spPr>
+            <a:xfrm>
+              <a:off x="2099553" y="1484944"/>
+              <a:ext cx="2043859" cy="430160"/>
+            </a:xfrm>
+            <a:prstGeom prst="rect">
+              <a:avLst/>
+            </a:prstGeom>
+            <a:noFill/>
+          </p:spPr>
+          <p:txBody>
+            <a:bodyPr wrap="square" rtlCol="0">
+              <a:spAutoFit/>
+            </a:bodyPr>
+            <a:lstStyle/>
+            <a:p>
+              <a:r>
+                <a:rPr lang="en-IN" sz="2000" b="1" dirty="0">
+                  <a:solidFill>
+                    <a:schemeClr val="bg1">
+                      <a:lumMod val="75000"/>
+                    </a:schemeClr>
+                  </a:solidFill>
+                </a:rPr>
+                <a:t>Ensemble</a:t>
+              </a:r>
+            </a:p>
+          </p:txBody>
+        </p:sp>
+        <p:sp>
+          <p:nvSpPr>
+            <p:cNvPr id="44" name="TextBox 43">
+              <a:extLst>
+                <a:ext uri="{FF2B5EF4-FFF2-40B4-BE49-F238E27FC236}">
+                  <a16:creationId xmlns:a16="http://schemas.microsoft.com/office/drawing/2014/main" id="{E36509C2-E7B0-4E59-8D44-B5CE4A6D9634}"/>
+                </a:ext>
+              </a:extLst>
+            </p:cNvPr>
+            <p:cNvSpPr txBox="1"/>
+            <p:nvPr/>
+          </p:nvSpPr>
+          <p:spPr>
+            <a:xfrm>
+              <a:off x="2136208" y="3914438"/>
+              <a:ext cx="1418209" cy="400110"/>
+            </a:xfrm>
+            <a:prstGeom prst="rect">
+              <a:avLst/>
+            </a:prstGeom>
+            <a:noFill/>
+          </p:spPr>
+          <p:txBody>
+            <a:bodyPr wrap="square" rtlCol="0">
+              <a:spAutoFit/>
+            </a:bodyPr>
+            <a:lstStyle/>
+            <a:p>
+              <a:r>
+                <a:rPr lang="en-IN" sz="2000" b="1" dirty="0">
+                  <a:solidFill>
+                    <a:schemeClr val="bg1">
+                      <a:lumMod val="75000"/>
+                    </a:schemeClr>
+                  </a:solidFill>
+                </a:rPr>
+                <a:t>KNN</a:t>
+              </a:r>
+            </a:p>
+          </p:txBody>
+        </p:sp>
+      </p:grpSp>
+      <p:sp>
+        <p:nvSpPr>
+          <p:cNvPr id="45" name="TextBox 44">
+            <a:extLst>
+              <a:ext uri="{FF2B5EF4-FFF2-40B4-BE49-F238E27FC236}">
+                <a16:creationId xmlns:a16="http://schemas.microsoft.com/office/drawing/2014/main" id="{83F132ED-5DFB-4EAE-BA55-F5D0CFEEF1B0}"/>
               </a:ext>
             </a:extLst>
           </p:cNvPr>
@@ -6552,89 +6438,7 @@
         </p:nvSpPr>
         <p:spPr>
           <a:xfrm>
-            <a:off x="2099554" y="1484943"/>
-            <a:ext cx="1418209" cy="400110"/>
-          </a:xfrm>
-          <a:prstGeom prst="rect">
-            <a:avLst/>
-          </a:prstGeom>
-          <a:noFill/>
-        </p:spPr>
-        <p:txBody>
-          <a:bodyPr wrap="square" rtlCol="0">
-            <a:spAutoFit/>
-          </a:bodyPr>
-          <a:lstStyle/>
-          <a:p>
-            <a:r>
-              <a:rPr lang="en-IN" sz="2000" b="1" dirty="0">
-                <a:solidFill>
-                  <a:schemeClr val="bg1">
-                    <a:lumMod val="75000"/>
-                  </a:schemeClr>
-                </a:solidFill>
-              </a:rPr>
-              <a:t>Ensemble</a:t>
-            </a:r>
-          </a:p>
-        </p:txBody>
-      </p:sp>
-      <p:sp>
-        <p:nvSpPr>
-          <p:cNvPr id="44" name="TextBox 43">
-            <a:extLst>
-              <a:ext uri="{FF2B5EF4-FFF2-40B4-BE49-F238E27FC236}">
-                <a16:creationId xmlns:a16="http://schemas.microsoft.com/office/drawing/2014/main" id="{E36509C2-E7B0-4E59-8D44-B5CE4A6D9634}"/>
-              </a:ext>
-            </a:extLst>
-          </p:cNvPr>
-          <p:cNvSpPr txBox="1"/>
-          <p:nvPr/>
-        </p:nvSpPr>
-        <p:spPr>
-          <a:xfrm>
-            <a:off x="2136208" y="3914438"/>
-            <a:ext cx="1418209" cy="400110"/>
-          </a:xfrm>
-          <a:prstGeom prst="rect">
-            <a:avLst/>
-          </a:prstGeom>
-          <a:noFill/>
-        </p:spPr>
-        <p:txBody>
-          <a:bodyPr wrap="square" rtlCol="0">
-            <a:spAutoFit/>
-          </a:bodyPr>
-          <a:lstStyle/>
-          <a:p>
-            <a:r>
-              <a:rPr lang="en-IN" sz="2000" b="1" dirty="0">
-                <a:solidFill>
-                  <a:schemeClr val="bg1">
-                    <a:lumMod val="75000"/>
-                  </a:schemeClr>
-                </a:solidFill>
-              </a:rPr>
-              <a:t>KNN</a:t>
-            </a:r>
-          </a:p>
-        </p:txBody>
-      </p:sp>
-      <p:sp>
-        <p:nvSpPr>
-          <p:cNvPr id="45" name="TextBox 44">
-            <a:extLst>
-              <a:ext uri="{FF2B5EF4-FFF2-40B4-BE49-F238E27FC236}">
-                <a16:creationId xmlns:a16="http://schemas.microsoft.com/office/drawing/2014/main" id="{83F132ED-5DFB-4EAE-BA55-F5D0CFEEF1B0}"/>
-              </a:ext>
-            </a:extLst>
-          </p:cNvPr>
-          <p:cNvSpPr txBox="1"/>
-          <p:nvPr/>
-        </p:nvSpPr>
-        <p:spPr>
-          <a:xfrm>
-            <a:off x="4099778" y="1480327"/>
+            <a:off x="3101034" y="1480453"/>
             <a:ext cx="1418209" cy="400110"/>
           </a:xfrm>
           <a:prstGeom prst="rect">
@@ -6661,96 +6465,453 @@
           </a:p>
         </p:txBody>
       </p:sp>
-      <p:sp>
-        <p:nvSpPr>
-          <p:cNvPr id="46" name="TextBox 45">
-            <a:extLst>
-              <a:ext uri="{FF2B5EF4-FFF2-40B4-BE49-F238E27FC236}">
-                <a16:creationId xmlns:a16="http://schemas.microsoft.com/office/drawing/2014/main" id="{3A729396-2934-4CAB-BF88-51F284ECB35B}"/>
-              </a:ext>
-            </a:extLst>
-          </p:cNvPr>
-          <p:cNvSpPr txBox="1"/>
+      <p:grpSp>
+        <p:nvGrpSpPr>
+          <p:cNvPr id="8" name="Group 7">
+            <a:extLst>
+              <a:ext uri="{FF2B5EF4-FFF2-40B4-BE49-F238E27FC236}">
+                <a16:creationId xmlns:a16="http://schemas.microsoft.com/office/drawing/2014/main" id="{47771DA2-7C42-43E4-ADAA-555B4CEBF383}"/>
+              </a:ext>
+            </a:extLst>
+          </p:cNvPr>
+          <p:cNvGrpSpPr/>
+          <p:nvPr/>
+        </p:nvGrpSpPr>
+        <p:grpSpPr>
+          <a:xfrm>
+            <a:off x="7875759" y="3793275"/>
+            <a:ext cx="4331609" cy="2978262"/>
+            <a:chOff x="7087351" y="2839848"/>
+            <a:chExt cx="5751038" cy="4165232"/>
+          </a:xfrm>
+        </p:grpSpPr>
+        <p:pic>
+          <p:nvPicPr>
+            <p:cNvPr id="4118" name="Picture 22" descr="Image result for brain symbol png">
+              <a:extLst>
+                <a:ext uri="{FF2B5EF4-FFF2-40B4-BE49-F238E27FC236}">
+                  <a16:creationId xmlns:a16="http://schemas.microsoft.com/office/drawing/2014/main" id="{3FDDDBAD-3D4D-4E8B-8875-8388572BF4E5}"/>
+                </a:ext>
+              </a:extLst>
+            </p:cNvPr>
+            <p:cNvPicPr>
+              <a:picLocks noChangeAspect="1" noChangeArrowheads="1"/>
+            </p:cNvPicPr>
+            <p:nvPr/>
+          </p:nvPicPr>
+          <p:blipFill>
+            <a:blip r:embed="rId5">
+              <a:duotone>
+                <a:schemeClr val="bg2">
+                  <a:shade val="45000"/>
+                  <a:satMod val="135000"/>
+                </a:schemeClr>
+                <a:prstClr val="white"/>
+              </a:duotone>
+              <a:alphaModFix amt="20000"/>
+              <a:extLst>
+                <a:ext uri="{28A0092B-C50C-407E-A947-70E740481C1C}">
+                  <a14:useLocalDpi xmlns:a14="http://schemas.microsoft.com/office/drawing/2010/main" val="0"/>
+                </a:ext>
+              </a:extLst>
+            </a:blip>
+            <a:srcRect/>
+            <a:stretch>
+              <a:fillRect/>
+            </a:stretch>
+          </p:blipFill>
+          <p:spPr bwMode="auto">
+            <a:xfrm>
+              <a:off x="7330547" y="2839848"/>
+              <a:ext cx="4165232" cy="4165232"/>
+            </a:xfrm>
+            <a:prstGeom prst="rect">
+              <a:avLst/>
+            </a:prstGeom>
+            <a:noFill/>
+            <a:extLst>
+              <a:ext uri="{909E8E84-426E-40DD-AFC4-6F175D3DCCD1}">
+                <a14:hiddenFill xmlns:a14="http://schemas.microsoft.com/office/drawing/2010/main">
+                  <a:solidFill>
+                    <a:srgbClr val="FFFFFF"/>
+                  </a:solidFill>
+                </a14:hiddenFill>
+              </a:ext>
+            </a:extLst>
+          </p:spPr>
+        </p:pic>
+        <p:pic>
+          <p:nvPicPr>
+            <p:cNvPr id="4120" name="Picture 24" descr="Image result for book symbol png">
+              <a:extLst>
+                <a:ext uri="{FF2B5EF4-FFF2-40B4-BE49-F238E27FC236}">
+                  <a16:creationId xmlns:a16="http://schemas.microsoft.com/office/drawing/2014/main" id="{EAD1E0F4-BCAF-48C4-A448-6779627518B6}"/>
+                </a:ext>
+              </a:extLst>
+            </p:cNvPr>
+            <p:cNvPicPr>
+              <a:picLocks noChangeAspect="1" noChangeArrowheads="1"/>
+            </p:cNvPicPr>
+            <p:nvPr/>
+          </p:nvPicPr>
+          <p:blipFill>
+            <a:blip r:embed="rId6">
+              <a:duotone>
+                <a:schemeClr val="accent5">
+                  <a:shade val="45000"/>
+                  <a:satMod val="135000"/>
+                </a:schemeClr>
+                <a:prstClr val="white"/>
+              </a:duotone>
+              <a:extLst>
+                <a:ext uri="{28A0092B-C50C-407E-A947-70E740481C1C}">
+                  <a14:useLocalDpi xmlns:a14="http://schemas.microsoft.com/office/drawing/2010/main" val="0"/>
+                </a:ext>
+              </a:extLst>
+            </a:blip>
+            <a:srcRect/>
+            <a:stretch>
+              <a:fillRect/>
+            </a:stretch>
+          </p:blipFill>
+          <p:spPr bwMode="auto">
+            <a:xfrm>
+              <a:off x="7087351" y="3630693"/>
+              <a:ext cx="1867514" cy="1867514"/>
+            </a:xfrm>
+            <a:prstGeom prst="rect">
+              <a:avLst/>
+            </a:prstGeom>
+            <a:noFill/>
+            <a:extLst>
+              <a:ext uri="{909E8E84-426E-40DD-AFC4-6F175D3DCCD1}">
+                <a14:hiddenFill xmlns:a14="http://schemas.microsoft.com/office/drawing/2010/main">
+                  <a:solidFill>
+                    <a:srgbClr val="FFFFFF"/>
+                  </a:solidFill>
+                </a14:hiddenFill>
+              </a:ext>
+            </a:extLst>
+          </p:spPr>
+        </p:pic>
+        <p:sp>
+          <p:nvSpPr>
+            <p:cNvPr id="41" name="Plus Sign 40">
+              <a:extLst>
+                <a:ext uri="{FF2B5EF4-FFF2-40B4-BE49-F238E27FC236}">
+                  <a16:creationId xmlns:a16="http://schemas.microsoft.com/office/drawing/2014/main" id="{2F50CE4E-A238-451B-A808-2AE856C1EE93}"/>
+                </a:ext>
+              </a:extLst>
+            </p:cNvPr>
+            <p:cNvSpPr/>
+            <p:nvPr/>
+          </p:nvSpPr>
+          <p:spPr>
+            <a:xfrm rot="16200000">
+              <a:off x="8851168" y="4012865"/>
+              <a:ext cx="1123991" cy="1231834"/>
+            </a:xfrm>
+            <a:prstGeom prst="mathPlus">
+              <a:avLst/>
+            </a:prstGeom>
+            <a:solidFill>
+              <a:schemeClr val="bg1">
+                <a:lumMod val="65000"/>
+              </a:schemeClr>
+            </a:solidFill>
+            <a:ln>
+              <a:noFill/>
+            </a:ln>
+          </p:spPr>
+          <p:style>
+            <a:lnRef idx="2">
+              <a:schemeClr val="accent1">
+                <a:shade val="50000"/>
+              </a:schemeClr>
+            </a:lnRef>
+            <a:fillRef idx="1">
+              <a:schemeClr val="accent1"/>
+            </a:fillRef>
+            <a:effectRef idx="0">
+              <a:schemeClr val="accent1"/>
+            </a:effectRef>
+            <a:fontRef idx="minor">
+              <a:schemeClr val="lt1"/>
+            </a:fontRef>
+          </p:style>
+          <p:txBody>
+            <a:bodyPr rtlCol="0" anchor="ctr"/>
+            <a:lstStyle/>
+            <a:p>
+              <a:pPr algn="ctr"/>
+              <a:endParaRPr lang="en-IN" dirty="0"/>
+            </a:p>
+          </p:txBody>
+        </p:sp>
+        <p:pic>
+          <p:nvPicPr>
+            <p:cNvPr id="4122" name="Picture 26" descr="Image result for instance symbol png">
+              <a:extLst>
+                <a:ext uri="{FF2B5EF4-FFF2-40B4-BE49-F238E27FC236}">
+                  <a16:creationId xmlns:a16="http://schemas.microsoft.com/office/drawing/2014/main" id="{E87E189A-CCB5-43A2-98F1-B640F2E03AB4}"/>
+                </a:ext>
+              </a:extLst>
+            </p:cNvPr>
+            <p:cNvPicPr>
+              <a:picLocks noChangeAspect="1" noChangeArrowheads="1"/>
+            </p:cNvPicPr>
+            <p:nvPr/>
+          </p:nvPicPr>
+          <p:blipFill>
+            <a:blip r:embed="rId7">
+              <a:duotone>
+                <a:schemeClr val="accent4">
+                  <a:shade val="45000"/>
+                  <a:satMod val="135000"/>
+                </a:schemeClr>
+                <a:prstClr val="white"/>
+              </a:duotone>
+              <a:extLst>
+                <a:ext uri="{28A0092B-C50C-407E-A947-70E740481C1C}">
+                  <a14:useLocalDpi xmlns:a14="http://schemas.microsoft.com/office/drawing/2010/main" val="0"/>
+                </a:ext>
+              </a:extLst>
+            </a:blip>
+            <a:srcRect/>
+            <a:stretch>
+              <a:fillRect/>
+            </a:stretch>
+          </p:blipFill>
+          <p:spPr bwMode="auto">
+            <a:xfrm>
+              <a:off x="9880587" y="3552651"/>
+              <a:ext cx="2152262" cy="2152262"/>
+            </a:xfrm>
+            <a:prstGeom prst="rect">
+              <a:avLst/>
+            </a:prstGeom>
+            <a:noFill/>
+            <a:extLst>
+              <a:ext uri="{909E8E84-426E-40DD-AFC4-6F175D3DCCD1}">
+                <a14:hiddenFill xmlns:a14="http://schemas.microsoft.com/office/drawing/2010/main">
+                  <a:solidFill>
+                    <a:srgbClr val="FFFFFF"/>
+                  </a:solidFill>
+                </a14:hiddenFill>
+              </a:ext>
+            </a:extLst>
+          </p:spPr>
+        </p:pic>
+        <p:sp>
+          <p:nvSpPr>
+            <p:cNvPr id="46" name="TextBox 45">
+              <a:extLst>
+                <a:ext uri="{FF2B5EF4-FFF2-40B4-BE49-F238E27FC236}">
+                  <a16:creationId xmlns:a16="http://schemas.microsoft.com/office/drawing/2014/main" id="{3A729396-2934-4CAB-BF88-51F284ECB35B}"/>
+                </a:ext>
+              </a:extLst>
+            </p:cNvPr>
+            <p:cNvSpPr txBox="1"/>
+            <p:nvPr/>
+          </p:nvSpPr>
+          <p:spPr>
+            <a:xfrm>
+              <a:off x="7104872" y="5626870"/>
+              <a:ext cx="2066438" cy="707886"/>
+            </a:xfrm>
+            <a:prstGeom prst="rect">
+              <a:avLst/>
+            </a:prstGeom>
+            <a:noFill/>
+          </p:spPr>
+          <p:txBody>
+            <a:bodyPr wrap="square" rtlCol="0">
+              <a:spAutoFit/>
+            </a:bodyPr>
+            <a:lstStyle/>
+            <a:p>
+              <a:r>
+                <a:rPr lang="en-IN" sz="2000" b="1" dirty="0">
+                  <a:solidFill>
+                    <a:schemeClr val="bg1">
+                      <a:lumMod val="75000"/>
+                    </a:schemeClr>
+                  </a:solidFill>
+                </a:rPr>
+                <a:t>Generalized Knowledge</a:t>
+              </a:r>
+            </a:p>
+          </p:txBody>
+        </p:sp>
+        <p:sp>
+          <p:nvSpPr>
+            <p:cNvPr id="47" name="TextBox 46">
+              <a:extLst>
+                <a:ext uri="{FF2B5EF4-FFF2-40B4-BE49-F238E27FC236}">
+                  <a16:creationId xmlns:a16="http://schemas.microsoft.com/office/drawing/2014/main" id="{F64094F3-080E-4822-86C6-9F74F23F9A08}"/>
+                </a:ext>
+              </a:extLst>
+            </p:cNvPr>
+            <p:cNvSpPr txBox="1"/>
+            <p:nvPr/>
+          </p:nvSpPr>
+          <p:spPr>
+            <a:xfrm>
+              <a:off x="10690256" y="5672213"/>
+              <a:ext cx="2148133" cy="1251671"/>
+            </a:xfrm>
+            <a:prstGeom prst="rect">
+              <a:avLst/>
+            </a:prstGeom>
+            <a:noFill/>
+          </p:spPr>
+          <p:txBody>
+            <a:bodyPr wrap="square" rtlCol="0">
+              <a:spAutoFit/>
+            </a:bodyPr>
+            <a:lstStyle/>
+            <a:p>
+              <a:r>
+                <a:rPr lang="en-IN" sz="2000" b="1" dirty="0">
+                  <a:solidFill>
+                    <a:schemeClr val="bg1">
+                      <a:lumMod val="75000"/>
+                    </a:schemeClr>
+                  </a:solidFill>
+                </a:rPr>
+                <a:t>Experience/</a:t>
+              </a:r>
+            </a:p>
+            <a:p>
+              <a:r>
+                <a:rPr lang="en-IN" sz="2000" b="1" dirty="0">
+                  <a:solidFill>
+                    <a:schemeClr val="bg1">
+                      <a:lumMod val="75000"/>
+                    </a:schemeClr>
+                  </a:solidFill>
+                </a:rPr>
+                <a:t>Case-Based Knowledge</a:t>
+              </a:r>
+            </a:p>
+          </p:txBody>
+        </p:sp>
+      </p:grpSp>
+      <p:sp>
+        <p:nvSpPr>
+          <p:cNvPr id="2" name="Rectangle 1">
+            <a:extLst>
+              <a:ext uri="{FF2B5EF4-FFF2-40B4-BE49-F238E27FC236}">
+                <a16:creationId xmlns:a16="http://schemas.microsoft.com/office/drawing/2014/main" id="{5A7F2B31-9DD3-48B9-B6FB-C537B54B6653}"/>
+              </a:ext>
+            </a:extLst>
+          </p:cNvPr>
+          <p:cNvSpPr/>
           <p:nvPr/>
         </p:nvSpPr>
         <p:spPr>
           <a:xfrm>
-            <a:off x="6383883" y="3262498"/>
-            <a:ext cx="2066438" cy="707886"/>
+            <a:off x="4932445" y="168600"/>
+            <a:ext cx="7100404" cy="3970318"/>
           </a:xfrm>
           <a:prstGeom prst="rect">
             <a:avLst/>
           </a:prstGeom>
-          <a:noFill/>
         </p:spPr>
         <p:txBody>
-          <a:bodyPr wrap="square" rtlCol="0">
+          <a:bodyPr wrap="square">
             <a:spAutoFit/>
           </a:bodyPr>
           <a:lstStyle/>
           <a:p>
             <a:r>
-              <a:rPr lang="en-IN" sz="2000" b="1" dirty="0">
+              <a:rPr lang="en-IN" sz="5400" b="1" dirty="0">
                 <a:solidFill>
-                  <a:schemeClr val="bg1">
-                    <a:lumMod val="75000"/>
+                  <a:schemeClr val="accent3">
+                    <a:lumMod val="60000"/>
+                    <a:lumOff val="40000"/>
                   </a:schemeClr>
                 </a:solidFill>
               </a:rPr>
-              <a:t>Generalized Knowledge</a:t>
-            </a:r>
-          </a:p>
-        </p:txBody>
-      </p:sp>
-      <p:sp>
-        <p:nvSpPr>
-          <p:cNvPr id="47" name="TextBox 46">
-            <a:extLst>
-              <a:ext uri="{FF2B5EF4-FFF2-40B4-BE49-F238E27FC236}">
-                <a16:creationId xmlns:a16="http://schemas.microsoft.com/office/drawing/2014/main" id="{F64094F3-080E-4822-86C6-9F74F23F9A08}"/>
-              </a:ext>
-            </a:extLst>
-          </p:cNvPr>
-          <p:cNvSpPr txBox="1"/>
-          <p:nvPr/>
-        </p:nvSpPr>
-        <p:spPr>
-          <a:xfrm>
-            <a:off x="10690257" y="5672214"/>
-            <a:ext cx="1611044" cy="1015663"/>
-          </a:xfrm>
-          <a:prstGeom prst="rect">
-            <a:avLst/>
-          </a:prstGeom>
-          <a:noFill/>
-        </p:spPr>
-        <p:txBody>
-          <a:bodyPr wrap="square" rtlCol="0">
-            <a:spAutoFit/>
-          </a:bodyPr>
-          <a:lstStyle/>
-          <a:p>
-            <a:r>
-              <a:rPr lang="en-IN" sz="2000" b="1" dirty="0">
+              <a:t>Research Questions</a:t>
+            </a:r>
+          </a:p>
+          <a:p>
+            <a:endParaRPr lang="en-IN" dirty="0"/>
+          </a:p>
+          <a:p>
+            <a:r>
+              <a:rPr lang="en-IN" dirty="0">
                 <a:solidFill>
                   <a:schemeClr val="bg1">
-                    <a:lumMod val="75000"/>
+                    <a:lumMod val="85000"/>
                   </a:schemeClr>
                 </a:solidFill>
               </a:rPr>
-              <a:t>Experience/</a:t>
-            </a:r>
-          </a:p>
-          <a:p>
-            <a:r>
-              <a:rPr lang="en-IN" sz="2000" b="1" dirty="0">
+              <a:t>• What features influence the survival of the patients the most ?</a:t>
+            </a:r>
+          </a:p>
+          <a:p>
+            <a:endParaRPr lang="en-IN" dirty="0">
+              <a:solidFill>
+                <a:schemeClr val="bg1">
+                  <a:lumMod val="85000"/>
+                </a:schemeClr>
+              </a:solidFill>
+            </a:endParaRPr>
+          </a:p>
+          <a:p>
+            <a:r>
+              <a:rPr lang="en-IN" dirty="0">
                 <a:solidFill>
                   <a:schemeClr val="bg1">
-                    <a:lumMod val="75000"/>
+                    <a:lumMod val="85000"/>
                   </a:schemeClr>
                 </a:solidFill>
               </a:rPr>
-              <a:t>Case-Based Knowledge</a:t>
+              <a:t>• How does age affect patient survival ? Are older patients at higher risk irrespective of the condition?</a:t>
+            </a:r>
+          </a:p>
+          <a:p>
+            <a:endParaRPr lang="en-IN" dirty="0">
+              <a:solidFill>
+                <a:schemeClr val="bg1">
+                  <a:lumMod val="85000"/>
+                </a:schemeClr>
+              </a:solidFill>
+            </a:endParaRPr>
+          </a:p>
+          <a:p>
+            <a:r>
+              <a:rPr lang="en-IN" dirty="0">
+                <a:solidFill>
+                  <a:schemeClr val="bg1">
+                    <a:lumMod val="85000"/>
+                  </a:schemeClr>
+                </a:solidFill>
+              </a:rPr>
+              <a:t>• Is there any strong correlation between disease/Condition and the number of fatalities ?</a:t>
+            </a:r>
+          </a:p>
+          <a:p>
+            <a:endParaRPr lang="en-IN" dirty="0">
+              <a:solidFill>
+                <a:schemeClr val="bg1">
+                  <a:lumMod val="85000"/>
+                </a:schemeClr>
+              </a:solidFill>
+            </a:endParaRPr>
+          </a:p>
+          <a:p>
+            <a:r>
+              <a:rPr lang="en-IN" dirty="0">
+                <a:solidFill>
+                  <a:schemeClr val="bg1">
+                    <a:lumMod val="85000"/>
+                  </a:schemeClr>
+                </a:solidFill>
+              </a:rPr>
+              <a:t>• Is there a correlation between disease/Condition and patient  admissions and readmissions?</a:t>
             </a:r>
           </a:p>
         </p:txBody>
